--- a/P1.pptx
+++ b/P1.pptx
@@ -4,13 +4,24 @@
   <p:sldMasterIdLst>
     <p:sldMasterId id="2147483660" r:id="rId1"/>
   </p:sldMasterIdLst>
+  <p:notesMasterIdLst>
+    <p:notesMasterId r:id="rId16"/>
+  </p:notesMasterIdLst>
   <p:sldIdLst>
     <p:sldId id="256" r:id="rId2"/>
-    <p:sldId id="257" r:id="rId3"/>
-    <p:sldId id="259" r:id="rId4"/>
-    <p:sldId id="258" r:id="rId5"/>
-    <p:sldId id="260" r:id="rId6"/>
-    <p:sldId id="261" r:id="rId7"/>
+    <p:sldId id="264" r:id="rId3"/>
+    <p:sldId id="257" r:id="rId4"/>
+    <p:sldId id="259" r:id="rId5"/>
+    <p:sldId id="265" r:id="rId6"/>
+    <p:sldId id="266" r:id="rId7"/>
+    <p:sldId id="258" r:id="rId8"/>
+    <p:sldId id="260" r:id="rId9"/>
+    <p:sldId id="261" r:id="rId10"/>
+    <p:sldId id="267" r:id="rId11"/>
+    <p:sldId id="268" r:id="rId12"/>
+    <p:sldId id="270" r:id="rId13"/>
+    <p:sldId id="263" r:id="rId14"/>
+    <p:sldId id="269" r:id="rId15"/>
   </p:sldIdLst>
   <p:sldSz cx="9144000" cy="6858000" type="screen4x3"/>
   <p:notesSz cx="6858000" cy="9144000"/>
@@ -112,6 +123,1500 @@
 </p:presentation>
 </file>
 
+<file path=ppt/notesMasters/notesMaster1.xml><?xml version="1.0" encoding="utf-8"?>
+<p:notesMaster xmlns:a="http://schemas.openxmlformats.org/drawingml/2006/main" xmlns:r="http://schemas.openxmlformats.org/officeDocument/2006/relationships" xmlns:p="http://schemas.openxmlformats.org/presentationml/2006/main">
+  <p:cSld>
+    <p:bg>
+      <p:bgRef idx="1001">
+        <a:schemeClr val="bg1"/>
+      </p:bgRef>
+    </p:bg>
+    <p:spTree>
+      <p:nvGrpSpPr>
+        <p:cNvPr id="1" name=""/>
+        <p:cNvGrpSpPr/>
+        <p:nvPr/>
+      </p:nvGrpSpPr>
+      <p:grpSpPr>
+        <a:xfrm>
+          <a:off x="0" y="0"/>
+          <a:ext cx="0" cy="0"/>
+          <a:chOff x="0" y="0"/>
+          <a:chExt cx="0" cy="0"/>
+        </a:xfrm>
+      </p:grpSpPr>
+      <p:sp>
+        <p:nvSpPr>
+          <p:cNvPr id="2" name="Header Placeholder 1"/>
+          <p:cNvSpPr>
+            <a:spLocks noGrp="1"/>
+          </p:cNvSpPr>
+          <p:nvPr>
+            <p:ph type="hdr" sz="quarter"/>
+          </p:nvPr>
+        </p:nvSpPr>
+        <p:spPr>
+          <a:xfrm>
+            <a:off x="0" y="0"/>
+            <a:ext cx="2971800" cy="457200"/>
+          </a:xfrm>
+          <a:prstGeom prst="rect">
+            <a:avLst/>
+          </a:prstGeom>
+        </p:spPr>
+        <p:txBody>
+          <a:bodyPr vert="horz" lIns="91440" tIns="45720" rIns="91440" bIns="45720" rtlCol="0"/>
+          <a:lstStyle>
+            <a:lvl1pPr algn="l">
+              <a:defRPr sz="1200"/>
+            </a:lvl1pPr>
+          </a:lstStyle>
+          <a:p>
+            <a:endParaRPr lang="en-US"/>
+          </a:p>
+        </p:txBody>
+      </p:sp>
+      <p:sp>
+        <p:nvSpPr>
+          <p:cNvPr id="3" name="Date Placeholder 2"/>
+          <p:cNvSpPr>
+            <a:spLocks noGrp="1"/>
+          </p:cNvSpPr>
+          <p:nvPr>
+            <p:ph type="dt" idx="1"/>
+          </p:nvPr>
+        </p:nvSpPr>
+        <p:spPr>
+          <a:xfrm>
+            <a:off x="3884613" y="0"/>
+            <a:ext cx="2971800" cy="457200"/>
+          </a:xfrm>
+          <a:prstGeom prst="rect">
+            <a:avLst/>
+          </a:prstGeom>
+        </p:spPr>
+        <p:txBody>
+          <a:bodyPr vert="horz" lIns="91440" tIns="45720" rIns="91440" bIns="45720" rtlCol="0"/>
+          <a:lstStyle>
+            <a:lvl1pPr algn="r">
+              <a:defRPr sz="1200"/>
+            </a:lvl1pPr>
+          </a:lstStyle>
+          <a:p>
+            <a:fld id="{9E3D25B2-CD1D-0449-B78B-615BE878C9F0}" type="datetimeFigureOut">
+              <a:rPr lang="en-US" smtClean="0"/>
+              <a:t>10/4/15</a:t>
+            </a:fld>
+            <a:endParaRPr lang="en-US"/>
+          </a:p>
+        </p:txBody>
+      </p:sp>
+      <p:sp>
+        <p:nvSpPr>
+          <p:cNvPr id="4" name="Slide Image Placeholder 3"/>
+          <p:cNvSpPr>
+            <a:spLocks noGrp="1" noRot="1" noChangeAspect="1"/>
+          </p:cNvSpPr>
+          <p:nvPr>
+            <p:ph type="sldImg" idx="2"/>
+          </p:nvPr>
+        </p:nvSpPr>
+        <p:spPr>
+          <a:xfrm>
+            <a:off x="1143000" y="685800"/>
+            <a:ext cx="4572000" cy="3429000"/>
+          </a:xfrm>
+          <a:prstGeom prst="rect">
+            <a:avLst/>
+          </a:prstGeom>
+          <a:noFill/>
+          <a:ln w="12700">
+            <a:solidFill>
+              <a:prstClr val="black"/>
+            </a:solidFill>
+          </a:ln>
+        </p:spPr>
+        <p:txBody>
+          <a:bodyPr vert="horz" lIns="91440" tIns="45720" rIns="91440" bIns="45720" rtlCol="0" anchor="ctr"/>
+          <a:lstStyle/>
+          <a:p>
+            <a:endParaRPr lang="en-US"/>
+          </a:p>
+        </p:txBody>
+      </p:sp>
+      <p:sp>
+        <p:nvSpPr>
+          <p:cNvPr id="5" name="Notes Placeholder 4"/>
+          <p:cNvSpPr>
+            <a:spLocks noGrp="1"/>
+          </p:cNvSpPr>
+          <p:nvPr>
+            <p:ph type="body" sz="quarter" idx="3"/>
+          </p:nvPr>
+        </p:nvSpPr>
+        <p:spPr>
+          <a:xfrm>
+            <a:off x="685800" y="4343400"/>
+            <a:ext cx="5486400" cy="4114800"/>
+          </a:xfrm>
+          <a:prstGeom prst="rect">
+            <a:avLst/>
+          </a:prstGeom>
+        </p:spPr>
+        <p:txBody>
+          <a:bodyPr vert="horz" lIns="91440" tIns="45720" rIns="91440" bIns="45720" rtlCol="0"/>
+          <a:lstStyle/>
+          <a:p>
+            <a:pPr lvl="0"/>
+            <a:r>
+              <a:rPr lang="en-US" smtClean="0"/>
+              <a:t>Click to edit Master text styles</a:t>
+            </a:r>
+          </a:p>
+          <a:p>
+            <a:pPr lvl="1"/>
+            <a:r>
+              <a:rPr lang="en-US" smtClean="0"/>
+              <a:t>Second level</a:t>
+            </a:r>
+          </a:p>
+          <a:p>
+            <a:pPr lvl="2"/>
+            <a:r>
+              <a:rPr lang="en-US" smtClean="0"/>
+              <a:t>Third level</a:t>
+            </a:r>
+          </a:p>
+          <a:p>
+            <a:pPr lvl="3"/>
+            <a:r>
+              <a:rPr lang="en-US" smtClean="0"/>
+              <a:t>Fourth level</a:t>
+            </a:r>
+          </a:p>
+          <a:p>
+            <a:pPr lvl="4"/>
+            <a:r>
+              <a:rPr lang="en-US" smtClean="0"/>
+              <a:t>Fifth level</a:t>
+            </a:r>
+            <a:endParaRPr lang="en-US"/>
+          </a:p>
+        </p:txBody>
+      </p:sp>
+      <p:sp>
+        <p:nvSpPr>
+          <p:cNvPr id="6" name="Footer Placeholder 5"/>
+          <p:cNvSpPr>
+            <a:spLocks noGrp="1"/>
+          </p:cNvSpPr>
+          <p:nvPr>
+            <p:ph type="ftr" sz="quarter" idx="4"/>
+          </p:nvPr>
+        </p:nvSpPr>
+        <p:spPr>
+          <a:xfrm>
+            <a:off x="0" y="8685213"/>
+            <a:ext cx="2971800" cy="457200"/>
+          </a:xfrm>
+          <a:prstGeom prst="rect">
+            <a:avLst/>
+          </a:prstGeom>
+        </p:spPr>
+        <p:txBody>
+          <a:bodyPr vert="horz" lIns="91440" tIns="45720" rIns="91440" bIns="45720" rtlCol="0" anchor="b"/>
+          <a:lstStyle>
+            <a:lvl1pPr algn="l">
+              <a:defRPr sz="1200"/>
+            </a:lvl1pPr>
+          </a:lstStyle>
+          <a:p>
+            <a:endParaRPr lang="en-US"/>
+          </a:p>
+        </p:txBody>
+      </p:sp>
+      <p:sp>
+        <p:nvSpPr>
+          <p:cNvPr id="7" name="Slide Number Placeholder 6"/>
+          <p:cNvSpPr>
+            <a:spLocks noGrp="1"/>
+          </p:cNvSpPr>
+          <p:nvPr>
+            <p:ph type="sldNum" sz="quarter" idx="5"/>
+          </p:nvPr>
+        </p:nvSpPr>
+        <p:spPr>
+          <a:xfrm>
+            <a:off x="3884613" y="8685213"/>
+            <a:ext cx="2971800" cy="457200"/>
+          </a:xfrm>
+          <a:prstGeom prst="rect">
+            <a:avLst/>
+          </a:prstGeom>
+        </p:spPr>
+        <p:txBody>
+          <a:bodyPr vert="horz" lIns="91440" tIns="45720" rIns="91440" bIns="45720" rtlCol="0" anchor="b"/>
+          <a:lstStyle>
+            <a:lvl1pPr algn="r">
+              <a:defRPr sz="1200"/>
+            </a:lvl1pPr>
+          </a:lstStyle>
+          <a:p>
+            <a:fld id="{50BCB8C0-4330-AA4E-AC7E-9D6955009D75}" type="slidenum">
+              <a:rPr lang="en-US" smtClean="0"/>
+              <a:t>‹#›</a:t>
+            </a:fld>
+            <a:endParaRPr lang="en-US"/>
+          </a:p>
+        </p:txBody>
+      </p:sp>
+    </p:spTree>
+    <p:extLst>
+      <p:ext uri="{BB962C8B-B14F-4D97-AF65-F5344CB8AC3E}">
+        <p14:creationId xmlns:p14="http://schemas.microsoft.com/office/powerpoint/2010/main" val="938177785"/>
+      </p:ext>
+    </p:extLst>
+  </p:cSld>
+  <p:clrMap bg1="lt1" tx1="dk1" bg2="lt2" tx2="dk2" accent1="accent1" accent2="accent2" accent3="accent3" accent4="accent4" accent5="accent5" accent6="accent6" hlink="hlink" folHlink="folHlink"/>
+  <p:notesStyle>
+    <a:lvl1pPr marL="0" algn="l" defTabSz="457200" rtl="0" eaLnBrk="1" latinLnBrk="0" hangingPunct="1">
+      <a:defRPr sz="1200" kern="1200">
+        <a:solidFill>
+          <a:schemeClr val="tx1"/>
+        </a:solidFill>
+        <a:latin typeface="+mn-lt"/>
+        <a:ea typeface="+mn-ea"/>
+        <a:cs typeface="+mn-cs"/>
+      </a:defRPr>
+    </a:lvl1pPr>
+    <a:lvl2pPr marL="457200" algn="l" defTabSz="457200" rtl="0" eaLnBrk="1" latinLnBrk="0" hangingPunct="1">
+      <a:defRPr sz="1200" kern="1200">
+        <a:solidFill>
+          <a:schemeClr val="tx1"/>
+        </a:solidFill>
+        <a:latin typeface="+mn-lt"/>
+        <a:ea typeface="+mn-ea"/>
+        <a:cs typeface="+mn-cs"/>
+      </a:defRPr>
+    </a:lvl2pPr>
+    <a:lvl3pPr marL="914400" algn="l" defTabSz="457200" rtl="0" eaLnBrk="1" latinLnBrk="0" hangingPunct="1">
+      <a:defRPr sz="1200" kern="1200">
+        <a:solidFill>
+          <a:schemeClr val="tx1"/>
+        </a:solidFill>
+        <a:latin typeface="+mn-lt"/>
+        <a:ea typeface="+mn-ea"/>
+        <a:cs typeface="+mn-cs"/>
+      </a:defRPr>
+    </a:lvl3pPr>
+    <a:lvl4pPr marL="1371600" algn="l" defTabSz="457200" rtl="0" eaLnBrk="1" latinLnBrk="0" hangingPunct="1">
+      <a:defRPr sz="1200" kern="1200">
+        <a:solidFill>
+          <a:schemeClr val="tx1"/>
+        </a:solidFill>
+        <a:latin typeface="+mn-lt"/>
+        <a:ea typeface="+mn-ea"/>
+        <a:cs typeface="+mn-cs"/>
+      </a:defRPr>
+    </a:lvl4pPr>
+    <a:lvl5pPr marL="1828800" algn="l" defTabSz="457200" rtl="0" eaLnBrk="1" latinLnBrk="0" hangingPunct="1">
+      <a:defRPr sz="1200" kern="1200">
+        <a:solidFill>
+          <a:schemeClr val="tx1"/>
+        </a:solidFill>
+        <a:latin typeface="+mn-lt"/>
+        <a:ea typeface="+mn-ea"/>
+        <a:cs typeface="+mn-cs"/>
+      </a:defRPr>
+    </a:lvl5pPr>
+    <a:lvl6pPr marL="2286000" algn="l" defTabSz="457200" rtl="0" eaLnBrk="1" latinLnBrk="0" hangingPunct="1">
+      <a:defRPr sz="1200" kern="1200">
+        <a:solidFill>
+          <a:schemeClr val="tx1"/>
+        </a:solidFill>
+        <a:latin typeface="+mn-lt"/>
+        <a:ea typeface="+mn-ea"/>
+        <a:cs typeface="+mn-cs"/>
+      </a:defRPr>
+    </a:lvl6pPr>
+    <a:lvl7pPr marL="2743200" algn="l" defTabSz="457200" rtl="0" eaLnBrk="1" latinLnBrk="0" hangingPunct="1">
+      <a:defRPr sz="1200" kern="1200">
+        <a:solidFill>
+          <a:schemeClr val="tx1"/>
+        </a:solidFill>
+        <a:latin typeface="+mn-lt"/>
+        <a:ea typeface="+mn-ea"/>
+        <a:cs typeface="+mn-cs"/>
+      </a:defRPr>
+    </a:lvl7pPr>
+    <a:lvl8pPr marL="3200400" algn="l" defTabSz="457200" rtl="0" eaLnBrk="1" latinLnBrk="0" hangingPunct="1">
+      <a:defRPr sz="1200" kern="1200">
+        <a:solidFill>
+          <a:schemeClr val="tx1"/>
+        </a:solidFill>
+        <a:latin typeface="+mn-lt"/>
+        <a:ea typeface="+mn-ea"/>
+        <a:cs typeface="+mn-cs"/>
+      </a:defRPr>
+    </a:lvl8pPr>
+    <a:lvl9pPr marL="3657600" algn="l" defTabSz="457200" rtl="0" eaLnBrk="1" latinLnBrk="0" hangingPunct="1">
+      <a:defRPr sz="1200" kern="1200">
+        <a:solidFill>
+          <a:schemeClr val="tx1"/>
+        </a:solidFill>
+        <a:latin typeface="+mn-lt"/>
+        <a:ea typeface="+mn-ea"/>
+        <a:cs typeface="+mn-cs"/>
+      </a:defRPr>
+    </a:lvl9pPr>
+  </p:notesStyle>
+</p:notesMaster>
+</file>
+
+<file path=ppt/notesSlides/notesSlide1.xml><?xml version="1.0" encoding="utf-8"?>
+<p:notes xmlns:a="http://schemas.openxmlformats.org/drawingml/2006/main" xmlns:r="http://schemas.openxmlformats.org/officeDocument/2006/relationships" xmlns:p="http://schemas.openxmlformats.org/presentationml/2006/main">
+  <p:cSld>
+    <p:spTree>
+      <p:nvGrpSpPr>
+        <p:cNvPr id="1" name=""/>
+        <p:cNvGrpSpPr/>
+        <p:nvPr/>
+      </p:nvGrpSpPr>
+      <p:grpSpPr>
+        <a:xfrm>
+          <a:off x="0" y="0"/>
+          <a:ext cx="0" cy="0"/>
+          <a:chOff x="0" y="0"/>
+          <a:chExt cx="0" cy="0"/>
+        </a:xfrm>
+      </p:grpSpPr>
+      <p:sp>
+        <p:nvSpPr>
+          <p:cNvPr id="2" name="Slide Image Placeholder 1"/>
+          <p:cNvSpPr>
+            <a:spLocks noGrp="1" noRot="1" noChangeAspect="1"/>
+          </p:cNvSpPr>
+          <p:nvPr>
+            <p:ph type="sldImg"/>
+          </p:nvPr>
+        </p:nvSpPr>
+        <p:spPr/>
+      </p:sp>
+      <p:sp>
+        <p:nvSpPr>
+          <p:cNvPr id="3" name="Notes Placeholder 2"/>
+          <p:cNvSpPr>
+            <a:spLocks noGrp="1"/>
+          </p:cNvSpPr>
+          <p:nvPr>
+            <p:ph type="body" idx="1"/>
+          </p:nvPr>
+        </p:nvSpPr>
+        <p:spPr/>
+        <p:txBody>
+          <a:bodyPr/>
+          <a:lstStyle/>
+          <a:p>
+            <a:r>
+              <a:rPr lang="en-US" dirty="0" smtClean="0"/>
+              <a:t>Nate </a:t>
+            </a:r>
+            <a:endParaRPr lang="en-US" dirty="0"/>
+          </a:p>
+        </p:txBody>
+      </p:sp>
+      <p:sp>
+        <p:nvSpPr>
+          <p:cNvPr id="4" name="Slide Number Placeholder 3"/>
+          <p:cNvSpPr>
+            <a:spLocks noGrp="1"/>
+          </p:cNvSpPr>
+          <p:nvPr>
+            <p:ph type="sldNum" sz="quarter" idx="10"/>
+          </p:nvPr>
+        </p:nvSpPr>
+        <p:spPr/>
+        <p:txBody>
+          <a:bodyPr/>
+          <a:lstStyle/>
+          <a:p>
+            <a:fld id="{50BCB8C0-4330-AA4E-AC7E-9D6955009D75}" type="slidenum">
+              <a:rPr lang="en-US" smtClean="0"/>
+              <a:t>1</a:t>
+            </a:fld>
+            <a:endParaRPr lang="en-US"/>
+          </a:p>
+        </p:txBody>
+      </p:sp>
+    </p:spTree>
+    <p:extLst>
+      <p:ext uri="{BB962C8B-B14F-4D97-AF65-F5344CB8AC3E}">
+        <p14:creationId xmlns:p14="http://schemas.microsoft.com/office/powerpoint/2010/main" val="2279242746"/>
+      </p:ext>
+    </p:extLst>
+  </p:cSld>
+  <p:clrMapOvr>
+    <a:masterClrMapping/>
+  </p:clrMapOvr>
+</p:notes>
+</file>
+
+<file path=ppt/notesSlides/notesSlide10.xml><?xml version="1.0" encoding="utf-8"?>
+<p:notes xmlns:a="http://schemas.openxmlformats.org/drawingml/2006/main" xmlns:r="http://schemas.openxmlformats.org/officeDocument/2006/relationships" xmlns:p="http://schemas.openxmlformats.org/presentationml/2006/main">
+  <p:cSld>
+    <p:spTree>
+      <p:nvGrpSpPr>
+        <p:cNvPr id="1" name=""/>
+        <p:cNvGrpSpPr/>
+        <p:nvPr/>
+      </p:nvGrpSpPr>
+      <p:grpSpPr>
+        <a:xfrm>
+          <a:off x="0" y="0"/>
+          <a:ext cx="0" cy="0"/>
+          <a:chOff x="0" y="0"/>
+          <a:chExt cx="0" cy="0"/>
+        </a:xfrm>
+      </p:grpSpPr>
+      <p:sp>
+        <p:nvSpPr>
+          <p:cNvPr id="2" name="Slide Image Placeholder 1"/>
+          <p:cNvSpPr>
+            <a:spLocks noGrp="1" noRot="1" noChangeAspect="1"/>
+          </p:cNvSpPr>
+          <p:nvPr>
+            <p:ph type="sldImg"/>
+          </p:nvPr>
+        </p:nvSpPr>
+        <p:spPr/>
+      </p:sp>
+      <p:sp>
+        <p:nvSpPr>
+          <p:cNvPr id="3" name="Notes Placeholder 2"/>
+          <p:cNvSpPr>
+            <a:spLocks noGrp="1"/>
+          </p:cNvSpPr>
+          <p:nvPr>
+            <p:ph type="body" idx="1"/>
+          </p:nvPr>
+        </p:nvSpPr>
+        <p:spPr/>
+        <p:txBody>
+          <a:bodyPr/>
+          <a:lstStyle/>
+          <a:p>
+            <a:r>
+              <a:rPr lang="en-US" dirty="0" err="1" smtClean="0"/>
+              <a:t>TIm</a:t>
+            </a:r>
+            <a:endParaRPr lang="en-US" dirty="0"/>
+          </a:p>
+        </p:txBody>
+      </p:sp>
+      <p:sp>
+        <p:nvSpPr>
+          <p:cNvPr id="4" name="Slide Number Placeholder 3"/>
+          <p:cNvSpPr>
+            <a:spLocks noGrp="1"/>
+          </p:cNvSpPr>
+          <p:nvPr>
+            <p:ph type="sldNum" sz="quarter" idx="10"/>
+          </p:nvPr>
+        </p:nvSpPr>
+        <p:spPr/>
+        <p:txBody>
+          <a:bodyPr/>
+          <a:lstStyle/>
+          <a:p>
+            <a:fld id="{50BCB8C0-4330-AA4E-AC7E-9D6955009D75}" type="slidenum">
+              <a:rPr lang="en-US" smtClean="0"/>
+              <a:t>10</a:t>
+            </a:fld>
+            <a:endParaRPr lang="en-US"/>
+          </a:p>
+        </p:txBody>
+      </p:sp>
+    </p:spTree>
+    <p:extLst>
+      <p:ext uri="{BB962C8B-B14F-4D97-AF65-F5344CB8AC3E}">
+        <p14:creationId xmlns:p14="http://schemas.microsoft.com/office/powerpoint/2010/main" val="604013000"/>
+      </p:ext>
+    </p:extLst>
+  </p:cSld>
+  <p:clrMapOvr>
+    <a:masterClrMapping/>
+  </p:clrMapOvr>
+</p:notes>
+</file>
+
+<file path=ppt/notesSlides/notesSlide11.xml><?xml version="1.0" encoding="utf-8"?>
+<p:notes xmlns:a="http://schemas.openxmlformats.org/drawingml/2006/main" xmlns:r="http://schemas.openxmlformats.org/officeDocument/2006/relationships" xmlns:p="http://schemas.openxmlformats.org/presentationml/2006/main">
+  <p:cSld>
+    <p:spTree>
+      <p:nvGrpSpPr>
+        <p:cNvPr id="1" name=""/>
+        <p:cNvGrpSpPr/>
+        <p:nvPr/>
+      </p:nvGrpSpPr>
+      <p:grpSpPr>
+        <a:xfrm>
+          <a:off x="0" y="0"/>
+          <a:ext cx="0" cy="0"/>
+          <a:chOff x="0" y="0"/>
+          <a:chExt cx="0" cy="0"/>
+        </a:xfrm>
+      </p:grpSpPr>
+      <p:sp>
+        <p:nvSpPr>
+          <p:cNvPr id="2" name="Slide Image Placeholder 1"/>
+          <p:cNvSpPr>
+            <a:spLocks noGrp="1" noRot="1" noChangeAspect="1"/>
+          </p:cNvSpPr>
+          <p:nvPr>
+            <p:ph type="sldImg"/>
+          </p:nvPr>
+        </p:nvSpPr>
+        <p:spPr/>
+      </p:sp>
+      <p:sp>
+        <p:nvSpPr>
+          <p:cNvPr id="3" name="Notes Placeholder 2"/>
+          <p:cNvSpPr>
+            <a:spLocks noGrp="1"/>
+          </p:cNvSpPr>
+          <p:nvPr>
+            <p:ph type="body" idx="1"/>
+          </p:nvPr>
+        </p:nvSpPr>
+        <p:spPr/>
+        <p:txBody>
+          <a:bodyPr/>
+          <a:lstStyle/>
+          <a:p>
+            <a:r>
+              <a:rPr lang="en-US" dirty="0" err="1" smtClean="0"/>
+              <a:t>tim</a:t>
+            </a:r>
+            <a:endParaRPr lang="en-US" dirty="0"/>
+          </a:p>
+        </p:txBody>
+      </p:sp>
+      <p:sp>
+        <p:nvSpPr>
+          <p:cNvPr id="4" name="Slide Number Placeholder 3"/>
+          <p:cNvSpPr>
+            <a:spLocks noGrp="1"/>
+          </p:cNvSpPr>
+          <p:nvPr>
+            <p:ph type="sldNum" sz="quarter" idx="10"/>
+          </p:nvPr>
+        </p:nvSpPr>
+        <p:spPr/>
+        <p:txBody>
+          <a:bodyPr/>
+          <a:lstStyle/>
+          <a:p>
+            <a:fld id="{50BCB8C0-4330-AA4E-AC7E-9D6955009D75}" type="slidenum">
+              <a:rPr lang="en-US" smtClean="0"/>
+              <a:t>11</a:t>
+            </a:fld>
+            <a:endParaRPr lang="en-US"/>
+          </a:p>
+        </p:txBody>
+      </p:sp>
+    </p:spTree>
+    <p:extLst>
+      <p:ext uri="{BB962C8B-B14F-4D97-AF65-F5344CB8AC3E}">
+        <p14:creationId xmlns:p14="http://schemas.microsoft.com/office/powerpoint/2010/main" val="2503448847"/>
+      </p:ext>
+    </p:extLst>
+  </p:cSld>
+  <p:clrMapOvr>
+    <a:masterClrMapping/>
+  </p:clrMapOvr>
+</p:notes>
+</file>
+
+<file path=ppt/notesSlides/notesSlide12.xml><?xml version="1.0" encoding="utf-8"?>
+<p:notes xmlns:a="http://schemas.openxmlformats.org/drawingml/2006/main" xmlns:r="http://schemas.openxmlformats.org/officeDocument/2006/relationships" xmlns:p="http://schemas.openxmlformats.org/presentationml/2006/main">
+  <p:cSld>
+    <p:spTree>
+      <p:nvGrpSpPr>
+        <p:cNvPr id="1" name=""/>
+        <p:cNvGrpSpPr/>
+        <p:nvPr/>
+      </p:nvGrpSpPr>
+      <p:grpSpPr>
+        <a:xfrm>
+          <a:off x="0" y="0"/>
+          <a:ext cx="0" cy="0"/>
+          <a:chOff x="0" y="0"/>
+          <a:chExt cx="0" cy="0"/>
+        </a:xfrm>
+      </p:grpSpPr>
+      <p:sp>
+        <p:nvSpPr>
+          <p:cNvPr id="2" name="Slide Image Placeholder 1"/>
+          <p:cNvSpPr>
+            <a:spLocks noGrp="1" noRot="1" noChangeAspect="1"/>
+          </p:cNvSpPr>
+          <p:nvPr>
+            <p:ph type="sldImg"/>
+          </p:nvPr>
+        </p:nvSpPr>
+        <p:spPr/>
+      </p:sp>
+      <p:sp>
+        <p:nvSpPr>
+          <p:cNvPr id="3" name="Notes Placeholder 2"/>
+          <p:cNvSpPr>
+            <a:spLocks noGrp="1"/>
+          </p:cNvSpPr>
+          <p:nvPr>
+            <p:ph type="body" idx="1"/>
+          </p:nvPr>
+        </p:nvSpPr>
+        <p:spPr/>
+        <p:txBody>
+          <a:bodyPr/>
+          <a:lstStyle/>
+          <a:p>
+            <a:r>
+              <a:rPr lang="en-US" dirty="0" err="1" smtClean="0"/>
+              <a:t>lanssie</a:t>
+            </a:r>
+            <a:endParaRPr lang="en-US" dirty="0"/>
+          </a:p>
+        </p:txBody>
+      </p:sp>
+      <p:sp>
+        <p:nvSpPr>
+          <p:cNvPr id="4" name="Slide Number Placeholder 3"/>
+          <p:cNvSpPr>
+            <a:spLocks noGrp="1"/>
+          </p:cNvSpPr>
+          <p:nvPr>
+            <p:ph type="sldNum" sz="quarter" idx="10"/>
+          </p:nvPr>
+        </p:nvSpPr>
+        <p:spPr/>
+        <p:txBody>
+          <a:bodyPr/>
+          <a:lstStyle/>
+          <a:p>
+            <a:fld id="{50BCB8C0-4330-AA4E-AC7E-9D6955009D75}" type="slidenum">
+              <a:rPr lang="en-US" smtClean="0"/>
+              <a:t>12</a:t>
+            </a:fld>
+            <a:endParaRPr lang="en-US"/>
+          </a:p>
+        </p:txBody>
+      </p:sp>
+    </p:spTree>
+    <p:extLst>
+      <p:ext uri="{BB962C8B-B14F-4D97-AF65-F5344CB8AC3E}">
+        <p14:creationId xmlns:p14="http://schemas.microsoft.com/office/powerpoint/2010/main" val="1321771790"/>
+      </p:ext>
+    </p:extLst>
+  </p:cSld>
+  <p:clrMapOvr>
+    <a:masterClrMapping/>
+  </p:clrMapOvr>
+</p:notes>
+</file>
+
+<file path=ppt/notesSlides/notesSlide13.xml><?xml version="1.0" encoding="utf-8"?>
+<p:notes xmlns:a="http://schemas.openxmlformats.org/drawingml/2006/main" xmlns:r="http://schemas.openxmlformats.org/officeDocument/2006/relationships" xmlns:p="http://schemas.openxmlformats.org/presentationml/2006/main">
+  <p:cSld>
+    <p:spTree>
+      <p:nvGrpSpPr>
+        <p:cNvPr id="1" name=""/>
+        <p:cNvGrpSpPr/>
+        <p:nvPr/>
+      </p:nvGrpSpPr>
+      <p:grpSpPr>
+        <a:xfrm>
+          <a:off x="0" y="0"/>
+          <a:ext cx="0" cy="0"/>
+          <a:chOff x="0" y="0"/>
+          <a:chExt cx="0" cy="0"/>
+        </a:xfrm>
+      </p:grpSpPr>
+      <p:sp>
+        <p:nvSpPr>
+          <p:cNvPr id="2" name="Slide Image Placeholder 1"/>
+          <p:cNvSpPr>
+            <a:spLocks noGrp="1" noRot="1" noChangeAspect="1"/>
+          </p:cNvSpPr>
+          <p:nvPr>
+            <p:ph type="sldImg"/>
+          </p:nvPr>
+        </p:nvSpPr>
+        <p:spPr/>
+      </p:sp>
+      <p:sp>
+        <p:nvSpPr>
+          <p:cNvPr id="3" name="Notes Placeholder 2"/>
+          <p:cNvSpPr>
+            <a:spLocks noGrp="1"/>
+          </p:cNvSpPr>
+          <p:nvPr>
+            <p:ph type="body" idx="1"/>
+          </p:nvPr>
+        </p:nvSpPr>
+        <p:spPr/>
+        <p:txBody>
+          <a:bodyPr/>
+          <a:lstStyle/>
+          <a:p>
+            <a:r>
+              <a:rPr lang="en-US" dirty="0" err="1" smtClean="0"/>
+              <a:t>lanssie</a:t>
+            </a:r>
+            <a:endParaRPr lang="en-US" dirty="0"/>
+          </a:p>
+        </p:txBody>
+      </p:sp>
+      <p:sp>
+        <p:nvSpPr>
+          <p:cNvPr id="4" name="Slide Number Placeholder 3"/>
+          <p:cNvSpPr>
+            <a:spLocks noGrp="1"/>
+          </p:cNvSpPr>
+          <p:nvPr>
+            <p:ph type="sldNum" sz="quarter" idx="10"/>
+          </p:nvPr>
+        </p:nvSpPr>
+        <p:spPr/>
+        <p:txBody>
+          <a:bodyPr/>
+          <a:lstStyle/>
+          <a:p>
+            <a:fld id="{50BCB8C0-4330-AA4E-AC7E-9D6955009D75}" type="slidenum">
+              <a:rPr lang="en-US" smtClean="0"/>
+              <a:t>13</a:t>
+            </a:fld>
+            <a:endParaRPr lang="en-US"/>
+          </a:p>
+        </p:txBody>
+      </p:sp>
+    </p:spTree>
+    <p:extLst>
+      <p:ext uri="{BB962C8B-B14F-4D97-AF65-F5344CB8AC3E}">
+        <p14:creationId xmlns:p14="http://schemas.microsoft.com/office/powerpoint/2010/main" val="2244513703"/>
+      </p:ext>
+    </p:extLst>
+  </p:cSld>
+  <p:clrMapOvr>
+    <a:masterClrMapping/>
+  </p:clrMapOvr>
+</p:notes>
+</file>
+
+<file path=ppt/notesSlides/notesSlide2.xml><?xml version="1.0" encoding="utf-8"?>
+<p:notes xmlns:a="http://schemas.openxmlformats.org/drawingml/2006/main" xmlns:r="http://schemas.openxmlformats.org/officeDocument/2006/relationships" xmlns:p="http://schemas.openxmlformats.org/presentationml/2006/main">
+  <p:cSld>
+    <p:spTree>
+      <p:nvGrpSpPr>
+        <p:cNvPr id="1" name=""/>
+        <p:cNvGrpSpPr/>
+        <p:nvPr/>
+      </p:nvGrpSpPr>
+      <p:grpSpPr>
+        <a:xfrm>
+          <a:off x="0" y="0"/>
+          <a:ext cx="0" cy="0"/>
+          <a:chOff x="0" y="0"/>
+          <a:chExt cx="0" cy="0"/>
+        </a:xfrm>
+      </p:grpSpPr>
+      <p:sp>
+        <p:nvSpPr>
+          <p:cNvPr id="2" name="Slide Image Placeholder 1"/>
+          <p:cNvSpPr>
+            <a:spLocks noGrp="1" noRot="1" noChangeAspect="1"/>
+          </p:cNvSpPr>
+          <p:nvPr>
+            <p:ph type="sldImg"/>
+          </p:nvPr>
+        </p:nvSpPr>
+        <p:spPr/>
+      </p:sp>
+      <p:sp>
+        <p:nvSpPr>
+          <p:cNvPr id="3" name="Notes Placeholder 2"/>
+          <p:cNvSpPr>
+            <a:spLocks noGrp="1"/>
+          </p:cNvSpPr>
+          <p:nvPr>
+            <p:ph type="body" idx="1"/>
+          </p:nvPr>
+        </p:nvSpPr>
+        <p:spPr/>
+        <p:txBody>
+          <a:bodyPr/>
+          <a:lstStyle/>
+          <a:p>
+            <a:r>
+              <a:rPr lang="en-US" dirty="0" err="1" smtClean="0"/>
+              <a:t>nate</a:t>
+            </a:r>
+            <a:endParaRPr lang="en-US" dirty="0"/>
+          </a:p>
+        </p:txBody>
+      </p:sp>
+      <p:sp>
+        <p:nvSpPr>
+          <p:cNvPr id="4" name="Slide Number Placeholder 3"/>
+          <p:cNvSpPr>
+            <a:spLocks noGrp="1"/>
+          </p:cNvSpPr>
+          <p:nvPr>
+            <p:ph type="sldNum" sz="quarter" idx="10"/>
+          </p:nvPr>
+        </p:nvSpPr>
+        <p:spPr/>
+        <p:txBody>
+          <a:bodyPr/>
+          <a:lstStyle/>
+          <a:p>
+            <a:fld id="{50BCB8C0-4330-AA4E-AC7E-9D6955009D75}" type="slidenum">
+              <a:rPr lang="en-US" smtClean="0"/>
+              <a:t>2</a:t>
+            </a:fld>
+            <a:endParaRPr lang="en-US"/>
+          </a:p>
+        </p:txBody>
+      </p:sp>
+    </p:spTree>
+    <p:extLst>
+      <p:ext uri="{BB962C8B-B14F-4D97-AF65-F5344CB8AC3E}">
+        <p14:creationId xmlns:p14="http://schemas.microsoft.com/office/powerpoint/2010/main" val="1055808594"/>
+      </p:ext>
+    </p:extLst>
+  </p:cSld>
+  <p:clrMapOvr>
+    <a:masterClrMapping/>
+  </p:clrMapOvr>
+</p:notes>
+</file>
+
+<file path=ppt/notesSlides/notesSlide3.xml><?xml version="1.0" encoding="utf-8"?>
+<p:notes xmlns:a="http://schemas.openxmlformats.org/drawingml/2006/main" xmlns:r="http://schemas.openxmlformats.org/officeDocument/2006/relationships" xmlns:p="http://schemas.openxmlformats.org/presentationml/2006/main">
+  <p:cSld>
+    <p:spTree>
+      <p:nvGrpSpPr>
+        <p:cNvPr id="1" name=""/>
+        <p:cNvGrpSpPr/>
+        <p:nvPr/>
+      </p:nvGrpSpPr>
+      <p:grpSpPr>
+        <a:xfrm>
+          <a:off x="0" y="0"/>
+          <a:ext cx="0" cy="0"/>
+          <a:chOff x="0" y="0"/>
+          <a:chExt cx="0" cy="0"/>
+        </a:xfrm>
+      </p:grpSpPr>
+      <p:sp>
+        <p:nvSpPr>
+          <p:cNvPr id="2" name="Slide Image Placeholder 1"/>
+          <p:cNvSpPr>
+            <a:spLocks noGrp="1" noRot="1" noChangeAspect="1"/>
+          </p:cNvSpPr>
+          <p:nvPr>
+            <p:ph type="sldImg"/>
+          </p:nvPr>
+        </p:nvSpPr>
+        <p:spPr/>
+      </p:sp>
+      <p:sp>
+        <p:nvSpPr>
+          <p:cNvPr id="3" name="Notes Placeholder 2"/>
+          <p:cNvSpPr>
+            <a:spLocks noGrp="1"/>
+          </p:cNvSpPr>
+          <p:nvPr>
+            <p:ph type="body" idx="1"/>
+          </p:nvPr>
+        </p:nvSpPr>
+        <p:spPr/>
+        <p:txBody>
+          <a:bodyPr/>
+          <a:lstStyle/>
+          <a:p>
+            <a:r>
+              <a:rPr lang="en-US" dirty="0" smtClean="0"/>
+              <a:t>Jesus</a:t>
+            </a:r>
+            <a:endParaRPr lang="en-US" dirty="0"/>
+          </a:p>
+        </p:txBody>
+      </p:sp>
+      <p:sp>
+        <p:nvSpPr>
+          <p:cNvPr id="4" name="Slide Number Placeholder 3"/>
+          <p:cNvSpPr>
+            <a:spLocks noGrp="1"/>
+          </p:cNvSpPr>
+          <p:nvPr>
+            <p:ph type="sldNum" sz="quarter" idx="10"/>
+          </p:nvPr>
+        </p:nvSpPr>
+        <p:spPr/>
+        <p:txBody>
+          <a:bodyPr/>
+          <a:lstStyle/>
+          <a:p>
+            <a:fld id="{50BCB8C0-4330-AA4E-AC7E-9D6955009D75}" type="slidenum">
+              <a:rPr lang="en-US" smtClean="0"/>
+              <a:t>3</a:t>
+            </a:fld>
+            <a:endParaRPr lang="en-US"/>
+          </a:p>
+        </p:txBody>
+      </p:sp>
+    </p:spTree>
+    <p:extLst>
+      <p:ext uri="{BB962C8B-B14F-4D97-AF65-F5344CB8AC3E}">
+        <p14:creationId xmlns:p14="http://schemas.microsoft.com/office/powerpoint/2010/main" val="1429175242"/>
+      </p:ext>
+    </p:extLst>
+  </p:cSld>
+  <p:clrMapOvr>
+    <a:masterClrMapping/>
+  </p:clrMapOvr>
+</p:notes>
+</file>
+
+<file path=ppt/notesSlides/notesSlide4.xml><?xml version="1.0" encoding="utf-8"?>
+<p:notes xmlns:a="http://schemas.openxmlformats.org/drawingml/2006/main" xmlns:r="http://schemas.openxmlformats.org/officeDocument/2006/relationships" xmlns:p="http://schemas.openxmlformats.org/presentationml/2006/main">
+  <p:cSld>
+    <p:spTree>
+      <p:nvGrpSpPr>
+        <p:cNvPr id="1" name=""/>
+        <p:cNvGrpSpPr/>
+        <p:nvPr/>
+      </p:nvGrpSpPr>
+      <p:grpSpPr>
+        <a:xfrm>
+          <a:off x="0" y="0"/>
+          <a:ext cx="0" cy="0"/>
+          <a:chOff x="0" y="0"/>
+          <a:chExt cx="0" cy="0"/>
+        </a:xfrm>
+      </p:grpSpPr>
+      <p:sp>
+        <p:nvSpPr>
+          <p:cNvPr id="2" name="Slide Image Placeholder 1"/>
+          <p:cNvSpPr>
+            <a:spLocks noGrp="1" noRot="1" noChangeAspect="1"/>
+          </p:cNvSpPr>
+          <p:nvPr>
+            <p:ph type="sldImg"/>
+          </p:nvPr>
+        </p:nvSpPr>
+        <p:spPr/>
+      </p:sp>
+      <p:sp>
+        <p:nvSpPr>
+          <p:cNvPr id="3" name="Notes Placeholder 2"/>
+          <p:cNvSpPr>
+            <a:spLocks noGrp="1"/>
+          </p:cNvSpPr>
+          <p:nvPr>
+            <p:ph type="body" idx="1"/>
+          </p:nvPr>
+        </p:nvSpPr>
+        <p:spPr/>
+        <p:txBody>
+          <a:bodyPr/>
+          <a:lstStyle/>
+          <a:p>
+            <a:r>
+              <a:rPr lang="en-US" dirty="0" smtClean="0"/>
+              <a:t>Jesus</a:t>
+            </a:r>
+            <a:endParaRPr lang="en-US" dirty="0"/>
+          </a:p>
+        </p:txBody>
+      </p:sp>
+      <p:sp>
+        <p:nvSpPr>
+          <p:cNvPr id="4" name="Slide Number Placeholder 3"/>
+          <p:cNvSpPr>
+            <a:spLocks noGrp="1"/>
+          </p:cNvSpPr>
+          <p:nvPr>
+            <p:ph type="sldNum" sz="quarter" idx="10"/>
+          </p:nvPr>
+        </p:nvSpPr>
+        <p:spPr/>
+        <p:txBody>
+          <a:bodyPr/>
+          <a:lstStyle/>
+          <a:p>
+            <a:fld id="{50BCB8C0-4330-AA4E-AC7E-9D6955009D75}" type="slidenum">
+              <a:rPr lang="en-US" smtClean="0"/>
+              <a:t>4</a:t>
+            </a:fld>
+            <a:endParaRPr lang="en-US"/>
+          </a:p>
+        </p:txBody>
+      </p:sp>
+    </p:spTree>
+    <p:extLst>
+      <p:ext uri="{BB962C8B-B14F-4D97-AF65-F5344CB8AC3E}">
+        <p14:creationId xmlns:p14="http://schemas.microsoft.com/office/powerpoint/2010/main" val="2654746288"/>
+      </p:ext>
+    </p:extLst>
+  </p:cSld>
+  <p:clrMapOvr>
+    <a:masterClrMapping/>
+  </p:clrMapOvr>
+</p:notes>
+</file>
+
+<file path=ppt/notesSlides/notesSlide5.xml><?xml version="1.0" encoding="utf-8"?>
+<p:notes xmlns:a="http://schemas.openxmlformats.org/drawingml/2006/main" xmlns:r="http://schemas.openxmlformats.org/officeDocument/2006/relationships" xmlns:p="http://schemas.openxmlformats.org/presentationml/2006/main">
+  <p:cSld>
+    <p:spTree>
+      <p:nvGrpSpPr>
+        <p:cNvPr id="1" name=""/>
+        <p:cNvGrpSpPr/>
+        <p:nvPr/>
+      </p:nvGrpSpPr>
+      <p:grpSpPr>
+        <a:xfrm>
+          <a:off x="0" y="0"/>
+          <a:ext cx="0" cy="0"/>
+          <a:chOff x="0" y="0"/>
+          <a:chExt cx="0" cy="0"/>
+        </a:xfrm>
+      </p:grpSpPr>
+      <p:sp>
+        <p:nvSpPr>
+          <p:cNvPr id="2" name="Slide Image Placeholder 1"/>
+          <p:cNvSpPr>
+            <a:spLocks noGrp="1" noRot="1" noChangeAspect="1"/>
+          </p:cNvSpPr>
+          <p:nvPr>
+            <p:ph type="sldImg"/>
+          </p:nvPr>
+        </p:nvSpPr>
+        <p:spPr/>
+      </p:sp>
+      <p:sp>
+        <p:nvSpPr>
+          <p:cNvPr id="3" name="Notes Placeholder 2"/>
+          <p:cNvSpPr>
+            <a:spLocks noGrp="1"/>
+          </p:cNvSpPr>
+          <p:nvPr>
+            <p:ph type="body" idx="1"/>
+          </p:nvPr>
+        </p:nvSpPr>
+        <p:spPr/>
+        <p:txBody>
+          <a:bodyPr/>
+          <a:lstStyle/>
+          <a:p>
+            <a:r>
+              <a:rPr lang="en-US" dirty="0" smtClean="0"/>
+              <a:t>Jason</a:t>
+            </a:r>
+            <a:endParaRPr lang="en-US" dirty="0"/>
+          </a:p>
+        </p:txBody>
+      </p:sp>
+      <p:sp>
+        <p:nvSpPr>
+          <p:cNvPr id="4" name="Slide Number Placeholder 3"/>
+          <p:cNvSpPr>
+            <a:spLocks noGrp="1"/>
+          </p:cNvSpPr>
+          <p:nvPr>
+            <p:ph type="sldNum" sz="quarter" idx="10"/>
+          </p:nvPr>
+        </p:nvSpPr>
+        <p:spPr/>
+        <p:txBody>
+          <a:bodyPr/>
+          <a:lstStyle/>
+          <a:p>
+            <a:fld id="{50BCB8C0-4330-AA4E-AC7E-9D6955009D75}" type="slidenum">
+              <a:rPr lang="en-US" smtClean="0"/>
+              <a:t>5</a:t>
+            </a:fld>
+            <a:endParaRPr lang="en-US"/>
+          </a:p>
+        </p:txBody>
+      </p:sp>
+    </p:spTree>
+    <p:extLst>
+      <p:ext uri="{BB962C8B-B14F-4D97-AF65-F5344CB8AC3E}">
+        <p14:creationId xmlns:p14="http://schemas.microsoft.com/office/powerpoint/2010/main" val="1054981491"/>
+      </p:ext>
+    </p:extLst>
+  </p:cSld>
+  <p:clrMapOvr>
+    <a:masterClrMapping/>
+  </p:clrMapOvr>
+</p:notes>
+</file>
+
+<file path=ppt/notesSlides/notesSlide6.xml><?xml version="1.0" encoding="utf-8"?>
+<p:notes xmlns:a="http://schemas.openxmlformats.org/drawingml/2006/main" xmlns:r="http://schemas.openxmlformats.org/officeDocument/2006/relationships" xmlns:p="http://schemas.openxmlformats.org/presentationml/2006/main">
+  <p:cSld>
+    <p:spTree>
+      <p:nvGrpSpPr>
+        <p:cNvPr id="1" name=""/>
+        <p:cNvGrpSpPr/>
+        <p:nvPr/>
+      </p:nvGrpSpPr>
+      <p:grpSpPr>
+        <a:xfrm>
+          <a:off x="0" y="0"/>
+          <a:ext cx="0" cy="0"/>
+          <a:chOff x="0" y="0"/>
+          <a:chExt cx="0" cy="0"/>
+        </a:xfrm>
+      </p:grpSpPr>
+      <p:sp>
+        <p:nvSpPr>
+          <p:cNvPr id="2" name="Slide Image Placeholder 1"/>
+          <p:cNvSpPr>
+            <a:spLocks noGrp="1" noRot="1" noChangeAspect="1"/>
+          </p:cNvSpPr>
+          <p:nvPr>
+            <p:ph type="sldImg"/>
+          </p:nvPr>
+        </p:nvSpPr>
+        <p:spPr/>
+      </p:sp>
+      <p:sp>
+        <p:nvSpPr>
+          <p:cNvPr id="3" name="Notes Placeholder 2"/>
+          <p:cNvSpPr>
+            <a:spLocks noGrp="1"/>
+          </p:cNvSpPr>
+          <p:nvPr>
+            <p:ph type="body" idx="1"/>
+          </p:nvPr>
+        </p:nvSpPr>
+        <p:spPr/>
+        <p:txBody>
+          <a:bodyPr/>
+          <a:lstStyle/>
+          <a:p>
+            <a:r>
+              <a:rPr lang="en-US" dirty="0" smtClean="0"/>
+              <a:t>Jason</a:t>
+            </a:r>
+            <a:endParaRPr lang="en-US" dirty="0"/>
+          </a:p>
+        </p:txBody>
+      </p:sp>
+      <p:sp>
+        <p:nvSpPr>
+          <p:cNvPr id="4" name="Slide Number Placeholder 3"/>
+          <p:cNvSpPr>
+            <a:spLocks noGrp="1"/>
+          </p:cNvSpPr>
+          <p:nvPr>
+            <p:ph type="sldNum" sz="quarter" idx="10"/>
+          </p:nvPr>
+        </p:nvSpPr>
+        <p:spPr/>
+        <p:txBody>
+          <a:bodyPr/>
+          <a:lstStyle/>
+          <a:p>
+            <a:fld id="{50BCB8C0-4330-AA4E-AC7E-9D6955009D75}" type="slidenum">
+              <a:rPr lang="en-US" smtClean="0"/>
+              <a:t>6</a:t>
+            </a:fld>
+            <a:endParaRPr lang="en-US"/>
+          </a:p>
+        </p:txBody>
+      </p:sp>
+    </p:spTree>
+    <p:extLst>
+      <p:ext uri="{BB962C8B-B14F-4D97-AF65-F5344CB8AC3E}">
+        <p14:creationId xmlns:p14="http://schemas.microsoft.com/office/powerpoint/2010/main" val="506340193"/>
+      </p:ext>
+    </p:extLst>
+  </p:cSld>
+  <p:clrMapOvr>
+    <a:masterClrMapping/>
+  </p:clrMapOvr>
+</p:notes>
+</file>
+
+<file path=ppt/notesSlides/notesSlide7.xml><?xml version="1.0" encoding="utf-8"?>
+<p:notes xmlns:a="http://schemas.openxmlformats.org/drawingml/2006/main" xmlns:r="http://schemas.openxmlformats.org/officeDocument/2006/relationships" xmlns:p="http://schemas.openxmlformats.org/presentationml/2006/main">
+  <p:cSld>
+    <p:spTree>
+      <p:nvGrpSpPr>
+        <p:cNvPr id="1" name=""/>
+        <p:cNvGrpSpPr/>
+        <p:nvPr/>
+      </p:nvGrpSpPr>
+      <p:grpSpPr>
+        <a:xfrm>
+          <a:off x="0" y="0"/>
+          <a:ext cx="0" cy="0"/>
+          <a:chOff x="0" y="0"/>
+          <a:chExt cx="0" cy="0"/>
+        </a:xfrm>
+      </p:grpSpPr>
+      <p:sp>
+        <p:nvSpPr>
+          <p:cNvPr id="2" name="Slide Image Placeholder 1"/>
+          <p:cNvSpPr>
+            <a:spLocks noGrp="1" noRot="1" noChangeAspect="1"/>
+          </p:cNvSpPr>
+          <p:nvPr>
+            <p:ph type="sldImg"/>
+          </p:nvPr>
+        </p:nvSpPr>
+        <p:spPr/>
+      </p:sp>
+      <p:sp>
+        <p:nvSpPr>
+          <p:cNvPr id="3" name="Notes Placeholder 2"/>
+          <p:cNvSpPr>
+            <a:spLocks noGrp="1"/>
+          </p:cNvSpPr>
+          <p:nvPr>
+            <p:ph type="body" idx="1"/>
+          </p:nvPr>
+        </p:nvSpPr>
+        <p:spPr/>
+        <p:txBody>
+          <a:bodyPr/>
+          <a:lstStyle/>
+          <a:p>
+            <a:r>
+              <a:rPr lang="en-US" dirty="0" smtClean="0"/>
+              <a:t>Robert</a:t>
+            </a:r>
+            <a:endParaRPr lang="en-US" dirty="0"/>
+          </a:p>
+        </p:txBody>
+      </p:sp>
+      <p:sp>
+        <p:nvSpPr>
+          <p:cNvPr id="4" name="Slide Number Placeholder 3"/>
+          <p:cNvSpPr>
+            <a:spLocks noGrp="1"/>
+          </p:cNvSpPr>
+          <p:nvPr>
+            <p:ph type="sldNum" sz="quarter" idx="10"/>
+          </p:nvPr>
+        </p:nvSpPr>
+        <p:spPr/>
+        <p:txBody>
+          <a:bodyPr/>
+          <a:lstStyle/>
+          <a:p>
+            <a:fld id="{50BCB8C0-4330-AA4E-AC7E-9D6955009D75}" type="slidenum">
+              <a:rPr lang="en-US" smtClean="0"/>
+              <a:t>7</a:t>
+            </a:fld>
+            <a:endParaRPr lang="en-US"/>
+          </a:p>
+        </p:txBody>
+      </p:sp>
+    </p:spTree>
+    <p:extLst>
+      <p:ext uri="{BB962C8B-B14F-4D97-AF65-F5344CB8AC3E}">
+        <p14:creationId xmlns:p14="http://schemas.microsoft.com/office/powerpoint/2010/main" val="1369564025"/>
+      </p:ext>
+    </p:extLst>
+  </p:cSld>
+  <p:clrMapOvr>
+    <a:masterClrMapping/>
+  </p:clrMapOvr>
+</p:notes>
+</file>
+
+<file path=ppt/notesSlides/notesSlide8.xml><?xml version="1.0" encoding="utf-8"?>
+<p:notes xmlns:a="http://schemas.openxmlformats.org/drawingml/2006/main" xmlns:r="http://schemas.openxmlformats.org/officeDocument/2006/relationships" xmlns:p="http://schemas.openxmlformats.org/presentationml/2006/main">
+  <p:cSld>
+    <p:spTree>
+      <p:nvGrpSpPr>
+        <p:cNvPr id="1" name=""/>
+        <p:cNvGrpSpPr/>
+        <p:nvPr/>
+      </p:nvGrpSpPr>
+      <p:grpSpPr>
+        <a:xfrm>
+          <a:off x="0" y="0"/>
+          <a:ext cx="0" cy="0"/>
+          <a:chOff x="0" y="0"/>
+          <a:chExt cx="0" cy="0"/>
+        </a:xfrm>
+      </p:grpSpPr>
+      <p:sp>
+        <p:nvSpPr>
+          <p:cNvPr id="2" name="Slide Image Placeholder 1"/>
+          <p:cNvSpPr>
+            <a:spLocks noGrp="1" noRot="1" noChangeAspect="1"/>
+          </p:cNvSpPr>
+          <p:nvPr>
+            <p:ph type="sldImg"/>
+          </p:nvPr>
+        </p:nvSpPr>
+        <p:spPr/>
+      </p:sp>
+      <p:sp>
+        <p:nvSpPr>
+          <p:cNvPr id="3" name="Notes Placeholder 2"/>
+          <p:cNvSpPr>
+            <a:spLocks noGrp="1"/>
+          </p:cNvSpPr>
+          <p:nvPr>
+            <p:ph type="body" idx="1"/>
+          </p:nvPr>
+        </p:nvSpPr>
+        <p:spPr/>
+        <p:txBody>
+          <a:bodyPr/>
+          <a:lstStyle/>
+          <a:p>
+            <a:r>
+              <a:rPr lang="en-US" dirty="0" err="1" smtClean="0"/>
+              <a:t>robert</a:t>
+            </a:r>
+            <a:endParaRPr lang="en-US" dirty="0"/>
+          </a:p>
+        </p:txBody>
+      </p:sp>
+      <p:sp>
+        <p:nvSpPr>
+          <p:cNvPr id="4" name="Slide Number Placeholder 3"/>
+          <p:cNvSpPr>
+            <a:spLocks noGrp="1"/>
+          </p:cNvSpPr>
+          <p:nvPr>
+            <p:ph type="sldNum" sz="quarter" idx="10"/>
+          </p:nvPr>
+        </p:nvSpPr>
+        <p:spPr/>
+        <p:txBody>
+          <a:bodyPr/>
+          <a:lstStyle/>
+          <a:p>
+            <a:fld id="{50BCB8C0-4330-AA4E-AC7E-9D6955009D75}" type="slidenum">
+              <a:rPr lang="en-US" smtClean="0"/>
+              <a:t>8</a:t>
+            </a:fld>
+            <a:endParaRPr lang="en-US"/>
+          </a:p>
+        </p:txBody>
+      </p:sp>
+    </p:spTree>
+    <p:extLst>
+      <p:ext uri="{BB962C8B-B14F-4D97-AF65-F5344CB8AC3E}">
+        <p14:creationId xmlns:p14="http://schemas.microsoft.com/office/powerpoint/2010/main" val="2110023477"/>
+      </p:ext>
+    </p:extLst>
+  </p:cSld>
+  <p:clrMapOvr>
+    <a:masterClrMapping/>
+  </p:clrMapOvr>
+</p:notes>
+</file>
+
+<file path=ppt/notesSlides/notesSlide9.xml><?xml version="1.0" encoding="utf-8"?>
+<p:notes xmlns:a="http://schemas.openxmlformats.org/drawingml/2006/main" xmlns:r="http://schemas.openxmlformats.org/officeDocument/2006/relationships" xmlns:p="http://schemas.openxmlformats.org/presentationml/2006/main">
+  <p:cSld>
+    <p:spTree>
+      <p:nvGrpSpPr>
+        <p:cNvPr id="1" name=""/>
+        <p:cNvGrpSpPr/>
+        <p:nvPr/>
+      </p:nvGrpSpPr>
+      <p:grpSpPr>
+        <a:xfrm>
+          <a:off x="0" y="0"/>
+          <a:ext cx="0" cy="0"/>
+          <a:chOff x="0" y="0"/>
+          <a:chExt cx="0" cy="0"/>
+        </a:xfrm>
+      </p:grpSpPr>
+      <p:sp>
+        <p:nvSpPr>
+          <p:cNvPr id="2" name="Slide Image Placeholder 1"/>
+          <p:cNvSpPr>
+            <a:spLocks noGrp="1" noRot="1" noChangeAspect="1"/>
+          </p:cNvSpPr>
+          <p:nvPr>
+            <p:ph type="sldImg"/>
+          </p:nvPr>
+        </p:nvSpPr>
+        <p:spPr/>
+      </p:sp>
+      <p:sp>
+        <p:nvSpPr>
+          <p:cNvPr id="3" name="Notes Placeholder 2"/>
+          <p:cNvSpPr>
+            <a:spLocks noGrp="1"/>
+          </p:cNvSpPr>
+          <p:nvPr>
+            <p:ph type="body" idx="1"/>
+          </p:nvPr>
+        </p:nvSpPr>
+        <p:spPr/>
+        <p:txBody>
+          <a:bodyPr/>
+          <a:lstStyle/>
+          <a:p>
+            <a:r>
+              <a:rPr lang="en-US" dirty="0" err="1" smtClean="0"/>
+              <a:t>robert</a:t>
+            </a:r>
+            <a:endParaRPr lang="en-US" dirty="0"/>
+          </a:p>
+        </p:txBody>
+      </p:sp>
+      <p:sp>
+        <p:nvSpPr>
+          <p:cNvPr id="4" name="Slide Number Placeholder 3"/>
+          <p:cNvSpPr>
+            <a:spLocks noGrp="1"/>
+          </p:cNvSpPr>
+          <p:nvPr>
+            <p:ph type="sldNum" sz="quarter" idx="10"/>
+          </p:nvPr>
+        </p:nvSpPr>
+        <p:spPr/>
+        <p:txBody>
+          <a:bodyPr/>
+          <a:lstStyle/>
+          <a:p>
+            <a:fld id="{50BCB8C0-4330-AA4E-AC7E-9D6955009D75}" type="slidenum">
+              <a:rPr lang="en-US" smtClean="0"/>
+              <a:t>9</a:t>
+            </a:fld>
+            <a:endParaRPr lang="en-US"/>
+          </a:p>
+        </p:txBody>
+      </p:sp>
+    </p:spTree>
+    <p:extLst>
+      <p:ext uri="{BB962C8B-B14F-4D97-AF65-F5344CB8AC3E}">
+        <p14:creationId xmlns:p14="http://schemas.microsoft.com/office/powerpoint/2010/main" val="2748918738"/>
+      </p:ext>
+    </p:extLst>
+  </p:cSld>
+  <p:clrMapOvr>
+    <a:masterClrMapping/>
+  </p:clrMapOvr>
+</p:notes>
+</file>
+
 <file path=ppt/slideLayouts/slideLayout1.xml><?xml version="1.0" encoding="utf-8"?>
 <p:sldLayout xmlns:a="http://schemas.openxmlformats.org/drawingml/2006/main" xmlns:r="http://schemas.openxmlformats.org/officeDocument/2006/relationships" xmlns:p="http://schemas.openxmlformats.org/presentationml/2006/main" type="title" preserve="1">
   <p:cSld name="Title Slide">
@@ -146,7 +1651,7 @@
           <a:p>
             <a:fld id="{4251665B-C24A-4702-B522-6A4334602E03}" type="datetimeFigureOut">
               <a:rPr lang="en-US" smtClean="0"/>
-              <a:t>10/2/15</a:t>
+              <a:t>10/4/15</a:t>
             </a:fld>
             <a:endParaRPr lang="en-US"/>
           </a:p>
@@ -903,7 +2408,7 @@
           <a:p>
             <a:fld id="{4251665B-C24A-4702-B522-6A4334602E03}" type="datetimeFigureOut">
               <a:rPr lang="en-US" smtClean="0"/>
-              <a:t>10/2/15</a:t>
+              <a:t>10/4/15</a:t>
             </a:fld>
             <a:endParaRPr lang="en-US"/>
           </a:p>
@@ -1527,7 +3032,7 @@
           <a:p>
             <a:fld id="{4251665B-C24A-4702-B522-6A4334602E03}" type="datetimeFigureOut">
               <a:rPr lang="en-US" smtClean="0"/>
-              <a:t>10/2/15</a:t>
+              <a:t>10/4/15</a:t>
             </a:fld>
             <a:endParaRPr lang="en-US"/>
           </a:p>
@@ -1950,7 +3455,7 @@
           <a:p>
             <a:fld id="{4251665B-C24A-4702-B522-6A4334602E03}" type="datetimeFigureOut">
               <a:rPr lang="en-US" smtClean="0"/>
-              <a:t>10/2/15</a:t>
+              <a:t>10/4/15</a:t>
             </a:fld>
             <a:endParaRPr lang="en-US"/>
           </a:p>
@@ -2127,7 +3632,7 @@
           <a:p>
             <a:fld id="{4251665B-C24A-4702-B522-6A4334602E03}" type="datetimeFigureOut">
               <a:rPr lang="en-US" smtClean="0"/>
-              <a:t>10/2/15</a:t>
+              <a:t>10/4/15</a:t>
             </a:fld>
             <a:endParaRPr lang="en-US"/>
           </a:p>
@@ -2944,7 +4449,7 @@
           <a:p>
             <a:fld id="{4251665B-C24A-4702-B522-6A4334602E03}" type="datetimeFigureOut">
               <a:rPr lang="en-US" smtClean="0"/>
-              <a:t>10/2/15</a:t>
+              <a:t>10/4/15</a:t>
             </a:fld>
             <a:endParaRPr lang="en-US"/>
           </a:p>
@@ -3455,7 +4960,7 @@
           <a:p>
             <a:fld id="{4251665B-C24A-4702-B522-6A4334602E03}" type="datetimeFigureOut">
               <a:rPr lang="en-US" smtClean="0"/>
-              <a:t>10/2/15</a:t>
+              <a:t>10/4/15</a:t>
             </a:fld>
             <a:endParaRPr lang="en-US"/>
           </a:p>
@@ -3688,7 +5193,7 @@
           <a:p>
             <a:fld id="{4251665B-C24A-4702-B522-6A4334602E03}" type="datetimeFigureOut">
               <a:rPr lang="en-US" smtClean="0"/>
-              <a:t>10/2/15</a:t>
+              <a:t>10/4/15</a:t>
             </a:fld>
             <a:endParaRPr lang="en-US"/>
           </a:p>
@@ -4213,7 +5718,7 @@
           <a:p>
             <a:fld id="{4251665B-C24A-4702-B522-6A4334602E03}" type="datetimeFigureOut">
               <a:rPr lang="en-US" smtClean="0"/>
-              <a:t>10/2/15</a:t>
+              <a:t>10/4/15</a:t>
             </a:fld>
             <a:endParaRPr lang="en-US"/>
           </a:p>
@@ -4348,7 +5853,7 @@
           <a:p>
             <a:fld id="{4251665B-C24A-4702-B522-6A4334602E03}" type="datetimeFigureOut">
               <a:rPr lang="en-US" smtClean="0"/>
-              <a:t>10/2/15</a:t>
+              <a:t>10/4/15</a:t>
             </a:fld>
             <a:endParaRPr lang="en-US"/>
           </a:p>
@@ -5246,7 +6751,7 @@
           <a:p>
             <a:fld id="{4251665B-C24A-4702-B522-6A4334602E03}" type="datetimeFigureOut">
               <a:rPr lang="en-US" smtClean="0"/>
-              <a:t>10/2/15</a:t>
+              <a:t>10/4/15</a:t>
             </a:fld>
             <a:endParaRPr lang="en-US"/>
           </a:p>
@@ -5369,7 +6874,7 @@
           <a:p>
             <a:fld id="{4251665B-C24A-4702-B522-6A4334602E03}" type="datetimeFigureOut">
               <a:rPr lang="en-US" smtClean="0"/>
-              <a:t>10/2/15</a:t>
+              <a:t>10/4/15</a:t>
             </a:fld>
             <a:endParaRPr lang="en-US"/>
           </a:p>
@@ -6253,7 +7758,7 @@
           <a:p>
             <a:fld id="{4251665B-C24A-4702-B522-6A4334602E03}" type="datetimeFigureOut">
               <a:rPr lang="en-US" smtClean="0"/>
-              <a:t>10/2/15</a:t>
+              <a:t>10/4/15</a:t>
             </a:fld>
             <a:endParaRPr lang="en-US"/>
           </a:p>
@@ -6901,7 +8406,7 @@
           <a:p>
             <a:fld id="{4251665B-C24A-4702-B522-6A4334602E03}" type="datetimeFigureOut">
               <a:rPr lang="en-US" smtClean="0"/>
-              <a:t>10/2/15</a:t>
+              <a:t>10/4/15</a:t>
             </a:fld>
             <a:endParaRPr lang="en-US"/>
           </a:p>
@@ -7217,7 +8722,7 @@
           <a:p>
             <a:fld id="{4251665B-C24A-4702-B522-6A4334602E03}" type="datetimeFigureOut">
               <a:rPr lang="en-US" smtClean="0"/>
-              <a:t>10/2/15</a:t>
+              <a:t>10/4/15</a:t>
             </a:fld>
             <a:endParaRPr lang="en-US"/>
           </a:p>
@@ -7307,7 +8812,7 @@
           <a:p>
             <a:fld id="{4251665B-C24A-4702-B522-6A4334602E03}" type="datetimeFigureOut">
               <a:rPr lang="en-US" smtClean="0"/>
-              <a:t>10/2/15</a:t>
+              <a:t>10/4/15</a:t>
             </a:fld>
             <a:endParaRPr lang="en-US"/>
           </a:p>
@@ -7635,7 +9140,7 @@
           <a:p>
             <a:fld id="{4251665B-C24A-4702-B522-6A4334602E03}" type="datetimeFigureOut">
               <a:rPr lang="en-US" smtClean="0"/>
-              <a:t>10/2/15</a:t>
+              <a:t>10/4/15</a:t>
             </a:fld>
             <a:endParaRPr lang="en-US"/>
           </a:p>
@@ -8182,10 +9687,945 @@
           </a:p>
         </p:txBody>
       </p:sp>
+      <p:sp>
+        <p:nvSpPr>
+          <p:cNvPr id="4" name="Subtitle 2"/>
+          <p:cNvSpPr txBox="1">
+            <a:spLocks/>
+          </p:cNvSpPr>
+          <p:nvPr/>
+        </p:nvSpPr>
+        <p:spPr>
+          <a:xfrm>
+            <a:off x="476205" y="5696199"/>
+            <a:ext cx="7754112" cy="484632"/>
+          </a:xfrm>
+          <a:prstGeom prst="rect">
+            <a:avLst/>
+          </a:prstGeom>
+        </p:spPr>
+        <p:txBody>
+          <a:bodyPr vert="horz" lIns="91440" tIns="45720" rIns="91440" bIns="45720" rtlCol="0">
+            <a:normAutofit fontScale="92500"/>
+          </a:bodyPr>
+          <a:lstStyle>
+            <a:lvl1pPr marL="0" indent="0" algn="l" defTabSz="914400" rtl="0" eaLnBrk="1" latinLnBrk="0" hangingPunct="1">
+              <a:lnSpc>
+                <a:spcPct val="100000"/>
+              </a:lnSpc>
+              <a:spcBef>
+                <a:spcPts val="0"/>
+              </a:spcBef>
+              <a:buClr>
+                <a:schemeClr val="bg1">
+                  <a:lumMod val="65000"/>
+                </a:schemeClr>
+              </a:buClr>
+              <a:buSzPct val="90000"/>
+              <a:buFont typeface="Wingdings" pitchFamily="2" charset="2"/>
+              <a:buNone/>
+              <a:defRPr sz="1800" kern="1200">
+                <a:solidFill>
+                  <a:schemeClr val="bg1"/>
+                </a:solidFill>
+                <a:latin typeface="+mn-lt"/>
+                <a:ea typeface="+mn-ea"/>
+                <a:cs typeface="+mn-cs"/>
+              </a:defRPr>
+            </a:lvl1pPr>
+            <a:lvl2pPr marL="457200" indent="0" algn="ctr" defTabSz="914400" rtl="0" eaLnBrk="1" latinLnBrk="0" hangingPunct="1">
+              <a:spcBef>
+                <a:spcPts val="600"/>
+              </a:spcBef>
+              <a:buClr>
+                <a:schemeClr val="tx1">
+                  <a:lumMod val="75000"/>
+                  <a:lumOff val="25000"/>
+                </a:schemeClr>
+              </a:buClr>
+              <a:buSzPct val="90000"/>
+              <a:buFont typeface="Wingdings" pitchFamily="2" charset="2"/>
+              <a:buNone/>
+              <a:defRPr sz="2200" kern="1200">
+                <a:solidFill>
+                  <a:schemeClr val="tx1">
+                    <a:tint val="75000"/>
+                  </a:schemeClr>
+                </a:solidFill>
+                <a:latin typeface="+mn-lt"/>
+                <a:ea typeface="+mn-ea"/>
+                <a:cs typeface="+mn-cs"/>
+              </a:defRPr>
+            </a:lvl2pPr>
+            <a:lvl3pPr marL="914400" indent="0" algn="ctr" defTabSz="914400" rtl="0" eaLnBrk="1" latinLnBrk="0" hangingPunct="1">
+              <a:spcBef>
+                <a:spcPts val="600"/>
+              </a:spcBef>
+              <a:buClr>
+                <a:schemeClr val="bg1">
+                  <a:lumMod val="65000"/>
+                </a:schemeClr>
+              </a:buClr>
+              <a:buSzPct val="90000"/>
+              <a:buFont typeface="Wingdings" pitchFamily="2" charset="2"/>
+              <a:buNone/>
+              <a:defRPr sz="2000" kern="1200">
+                <a:solidFill>
+                  <a:schemeClr val="tx1">
+                    <a:tint val="75000"/>
+                  </a:schemeClr>
+                </a:solidFill>
+                <a:latin typeface="+mn-lt"/>
+                <a:ea typeface="+mn-ea"/>
+                <a:cs typeface="+mn-cs"/>
+              </a:defRPr>
+            </a:lvl3pPr>
+            <a:lvl4pPr marL="1371600" indent="0" algn="ctr" defTabSz="914400" rtl="0" eaLnBrk="1" latinLnBrk="0" hangingPunct="1">
+              <a:spcBef>
+                <a:spcPts val="600"/>
+              </a:spcBef>
+              <a:buClr>
+                <a:schemeClr val="tx1">
+                  <a:lumMod val="75000"/>
+                  <a:lumOff val="25000"/>
+                </a:schemeClr>
+              </a:buClr>
+              <a:buSzPct val="90000"/>
+              <a:buFont typeface="Wingdings" pitchFamily="2" charset="2"/>
+              <a:buNone/>
+              <a:defRPr sz="1800" kern="1200">
+                <a:solidFill>
+                  <a:schemeClr val="tx1">
+                    <a:tint val="75000"/>
+                  </a:schemeClr>
+                </a:solidFill>
+                <a:latin typeface="+mn-lt"/>
+                <a:ea typeface="+mn-ea"/>
+                <a:cs typeface="+mn-cs"/>
+              </a:defRPr>
+            </a:lvl4pPr>
+            <a:lvl5pPr marL="1828800" indent="0" algn="ctr" defTabSz="914400" rtl="0" eaLnBrk="1" latinLnBrk="0" hangingPunct="1">
+              <a:spcBef>
+                <a:spcPts val="600"/>
+              </a:spcBef>
+              <a:buClr>
+                <a:schemeClr val="bg1">
+                  <a:lumMod val="65000"/>
+                </a:schemeClr>
+              </a:buClr>
+              <a:buSzPct val="90000"/>
+              <a:buFont typeface="Wingdings" pitchFamily="2" charset="2"/>
+              <a:buNone/>
+              <a:defRPr sz="1800" kern="1200">
+                <a:solidFill>
+                  <a:schemeClr val="tx1">
+                    <a:tint val="75000"/>
+                  </a:schemeClr>
+                </a:solidFill>
+                <a:latin typeface="+mn-lt"/>
+                <a:ea typeface="+mn-ea"/>
+                <a:cs typeface="+mn-cs"/>
+              </a:defRPr>
+            </a:lvl5pPr>
+            <a:lvl6pPr marL="2286000" indent="0" algn="ctr" defTabSz="914400" rtl="0" eaLnBrk="1" latinLnBrk="0" hangingPunct="1">
+              <a:spcBef>
+                <a:spcPts val="600"/>
+              </a:spcBef>
+              <a:buClr>
+                <a:schemeClr val="tx1">
+                  <a:lumMod val="75000"/>
+                  <a:lumOff val="25000"/>
+                </a:schemeClr>
+              </a:buClr>
+              <a:buSzPct val="90000"/>
+              <a:buFont typeface="Wingdings" pitchFamily="2" charset="2"/>
+              <a:buNone/>
+              <a:defRPr lang="en-US" sz="1800" kern="1200">
+                <a:solidFill>
+                  <a:schemeClr val="tx1">
+                    <a:tint val="75000"/>
+                  </a:schemeClr>
+                </a:solidFill>
+                <a:latin typeface="+mn-lt"/>
+                <a:ea typeface="+mn-ea"/>
+                <a:cs typeface="+mn-cs"/>
+              </a:defRPr>
+            </a:lvl6pPr>
+            <a:lvl7pPr marL="2743200" indent="0" algn="ctr" defTabSz="914400" rtl="0" eaLnBrk="1" latinLnBrk="0" hangingPunct="1">
+              <a:spcBef>
+                <a:spcPts val="600"/>
+              </a:spcBef>
+              <a:buClr>
+                <a:schemeClr val="bg1">
+                  <a:lumMod val="65000"/>
+                </a:schemeClr>
+              </a:buClr>
+              <a:buSzPct val="90000"/>
+              <a:buFont typeface="Wingdings" pitchFamily="2" charset="2"/>
+              <a:buNone/>
+              <a:defRPr lang="en-US" sz="1800" kern="1200">
+                <a:solidFill>
+                  <a:schemeClr val="tx1">
+                    <a:tint val="75000"/>
+                  </a:schemeClr>
+                </a:solidFill>
+                <a:latin typeface="+mn-lt"/>
+                <a:ea typeface="+mn-ea"/>
+                <a:cs typeface="+mn-cs"/>
+              </a:defRPr>
+            </a:lvl7pPr>
+            <a:lvl8pPr marL="3200400" indent="0" algn="ctr" defTabSz="914400" rtl="0" eaLnBrk="1" latinLnBrk="0" hangingPunct="1">
+              <a:spcBef>
+                <a:spcPts val="600"/>
+              </a:spcBef>
+              <a:buClr>
+                <a:schemeClr val="tx1">
+                  <a:lumMod val="75000"/>
+                  <a:lumOff val="25000"/>
+                </a:schemeClr>
+              </a:buClr>
+              <a:buSzPct val="90000"/>
+              <a:buFont typeface="Wingdings" pitchFamily="2" charset="2"/>
+              <a:buNone/>
+              <a:defRPr lang="en-US" sz="1800" kern="1200">
+                <a:solidFill>
+                  <a:schemeClr val="tx1">
+                    <a:tint val="75000"/>
+                  </a:schemeClr>
+                </a:solidFill>
+                <a:latin typeface="+mn-lt"/>
+                <a:ea typeface="+mn-ea"/>
+                <a:cs typeface="+mn-cs"/>
+              </a:defRPr>
+            </a:lvl8pPr>
+            <a:lvl9pPr marL="3657600" indent="0" algn="ctr" defTabSz="914400" rtl="0" eaLnBrk="1" latinLnBrk="0" hangingPunct="1">
+              <a:spcBef>
+                <a:spcPts val="600"/>
+              </a:spcBef>
+              <a:buClr>
+                <a:schemeClr val="bg1">
+                  <a:lumMod val="65000"/>
+                </a:schemeClr>
+              </a:buClr>
+              <a:buSzPct val="90000"/>
+              <a:buFont typeface="Wingdings" pitchFamily="2" charset="2"/>
+              <a:buNone/>
+              <a:defRPr lang="en-US" sz="1800" kern="1200">
+                <a:solidFill>
+                  <a:schemeClr val="tx1">
+                    <a:tint val="75000"/>
+                  </a:schemeClr>
+                </a:solidFill>
+                <a:latin typeface="+mn-lt"/>
+                <a:ea typeface="+mn-ea"/>
+                <a:cs typeface="+mn-cs"/>
+              </a:defRPr>
+            </a:lvl9pPr>
+          </a:lstStyle>
+          <a:p>
+            <a:r>
+              <a:rPr lang="en-US" dirty="0" smtClean="0">
+                <a:solidFill>
+                  <a:schemeClr val="bg1">
+                    <a:lumMod val="50000"/>
+                  </a:schemeClr>
+                </a:solidFill>
+              </a:rPr>
+              <a:t>Nate </a:t>
+            </a:r>
+            <a:r>
+              <a:rPr lang="en-US" smtClean="0">
+                <a:solidFill>
+                  <a:schemeClr val="bg1">
+                    <a:lumMod val="50000"/>
+                  </a:schemeClr>
+                </a:solidFill>
+              </a:rPr>
+              <a:t>Ziran</a:t>
+            </a:r>
+            <a:r>
+              <a:rPr lang="en-US" dirty="0" smtClean="0">
+                <a:solidFill>
+                  <a:schemeClr val="bg1">
+                    <a:lumMod val="50000"/>
+                  </a:schemeClr>
+                </a:solidFill>
+              </a:rPr>
+              <a:t> Chen, Lanssie Ma, Timothy Storm, Jason </a:t>
+            </a:r>
+            <a:r>
+              <a:rPr lang="en-US" dirty="0" err="1" smtClean="0">
+                <a:solidFill>
+                  <a:schemeClr val="bg1">
+                    <a:lumMod val="50000"/>
+                  </a:schemeClr>
+                </a:solidFill>
+              </a:rPr>
+              <a:t>Libbey</a:t>
+            </a:r>
+            <a:r>
+              <a:rPr lang="en-US" dirty="0" smtClean="0">
+                <a:solidFill>
+                  <a:schemeClr val="bg1">
+                    <a:lumMod val="50000"/>
+                  </a:schemeClr>
+                </a:solidFill>
+              </a:rPr>
+              <a:t>, Robert Sun, Jesus </a:t>
+            </a:r>
+            <a:r>
+              <a:rPr lang="en-US" dirty="0" err="1" smtClean="0">
+                <a:solidFill>
+                  <a:schemeClr val="bg1">
+                    <a:lumMod val="50000"/>
+                  </a:schemeClr>
+                </a:solidFill>
+              </a:rPr>
+              <a:t>Carillo</a:t>
+            </a:r>
+            <a:r>
+              <a:rPr lang="en-US" dirty="0" smtClean="0">
+                <a:solidFill>
+                  <a:schemeClr val="bg1">
+                    <a:lumMod val="50000"/>
+                  </a:schemeClr>
+                </a:solidFill>
+              </a:rPr>
+              <a:t> </a:t>
+            </a:r>
+            <a:endParaRPr lang="en-US" dirty="0">
+              <a:solidFill>
+                <a:schemeClr val="bg1">
+                  <a:lumMod val="50000"/>
+                </a:schemeClr>
+              </a:solidFill>
+            </a:endParaRPr>
+          </a:p>
+        </p:txBody>
+      </p:sp>
     </p:spTree>
     <p:extLst>
       <p:ext uri="{BB962C8B-B14F-4D97-AF65-F5344CB8AC3E}">
         <p14:creationId xmlns:p14="http://schemas.microsoft.com/office/powerpoint/2010/main" val="3454682137"/>
+      </p:ext>
+    </p:extLst>
+  </p:cSld>
+  <p:clrMapOvr>
+    <a:masterClrMapping/>
+  </p:clrMapOvr>
+</p:sld>
+</file>
+
+<file path=ppt/slides/slide10.xml><?xml version="1.0" encoding="utf-8"?>
+<p:sld xmlns:a="http://schemas.openxmlformats.org/drawingml/2006/main" xmlns:r="http://schemas.openxmlformats.org/officeDocument/2006/relationships" xmlns:p="http://schemas.openxmlformats.org/presentationml/2006/main">
+  <p:cSld>
+    <p:spTree>
+      <p:nvGrpSpPr>
+        <p:cNvPr id="1" name=""/>
+        <p:cNvGrpSpPr/>
+        <p:nvPr/>
+      </p:nvGrpSpPr>
+      <p:grpSpPr>
+        <a:xfrm>
+          <a:off x="0" y="0"/>
+          <a:ext cx="0" cy="0"/>
+          <a:chOff x="0" y="0"/>
+          <a:chExt cx="0" cy="0"/>
+        </a:xfrm>
+      </p:grpSpPr>
+      <p:sp>
+        <p:nvSpPr>
+          <p:cNvPr id="2" name="Title 1"/>
+          <p:cNvSpPr>
+            <a:spLocks noGrp="1"/>
+          </p:cNvSpPr>
+          <p:nvPr>
+            <p:ph type="title"/>
+          </p:nvPr>
+        </p:nvSpPr>
+        <p:spPr/>
+        <p:txBody>
+          <a:bodyPr/>
+          <a:lstStyle/>
+          <a:p>
+            <a:r>
+              <a:rPr lang="en-US" dirty="0" smtClean="0"/>
+              <a:t>Results for </a:t>
+            </a:r>
+            <a:r>
+              <a:rPr lang="en-US" dirty="0" err="1" smtClean="0"/>
+              <a:t>pt</a:t>
+            </a:r>
+            <a:r>
+              <a:rPr lang="en-US" dirty="0" smtClean="0"/>
+              <a:t> 2	</a:t>
+            </a:r>
+            <a:endParaRPr lang="en-US" dirty="0"/>
+          </a:p>
+        </p:txBody>
+      </p:sp>
+      <p:sp>
+        <p:nvSpPr>
+          <p:cNvPr id="3" name="Content Placeholder 2"/>
+          <p:cNvSpPr>
+            <a:spLocks noGrp="1"/>
+          </p:cNvSpPr>
+          <p:nvPr>
+            <p:ph idx="1"/>
+          </p:nvPr>
+        </p:nvSpPr>
+        <p:spPr/>
+        <p:txBody>
+          <a:bodyPr>
+            <a:normAutofit fontScale="85000" lnSpcReduction="20000"/>
+          </a:bodyPr>
+          <a:lstStyle/>
+          <a:p>
+            <a:r>
+              <a:rPr lang="en-US" dirty="0" smtClean="0"/>
+              <a:t>Character feel?</a:t>
+            </a:r>
+          </a:p>
+          <a:p>
+            <a:pPr lvl="1"/>
+            <a:r>
+              <a:rPr lang="en-US" dirty="0"/>
+              <a:t>A little more smooth after adjustments were made to the character controls </a:t>
+            </a:r>
+            <a:endParaRPr lang="en-US" dirty="0" smtClean="0"/>
+          </a:p>
+          <a:p>
+            <a:r>
+              <a:rPr lang="en-US" dirty="0" smtClean="0"/>
+              <a:t>Character control?</a:t>
+            </a:r>
+          </a:p>
+          <a:p>
+            <a:pPr lvl="1"/>
+            <a:r>
+              <a:rPr lang="en-US" dirty="0"/>
+              <a:t>Better but needs to still be improved upon depending on the character </a:t>
+            </a:r>
+            <a:endParaRPr lang="en-US" dirty="0" smtClean="0"/>
+          </a:p>
+          <a:p>
+            <a:r>
+              <a:rPr lang="en-US" dirty="0" smtClean="0"/>
+              <a:t>How well does the character respond to your input?</a:t>
+            </a:r>
+          </a:p>
+          <a:p>
+            <a:pPr lvl="1"/>
+            <a:r>
+              <a:rPr lang="en-US" dirty="0"/>
+              <a:t>Seems to be better, but will still need to be improved as we add more on attacks and challenges to the environment </a:t>
+            </a:r>
+            <a:endParaRPr lang="en-US" dirty="0" smtClean="0"/>
+          </a:p>
+          <a:p>
+            <a:r>
+              <a:rPr lang="en-US" dirty="0" smtClean="0"/>
+              <a:t>What abilities do you think would improve the character?</a:t>
+            </a:r>
+          </a:p>
+          <a:p>
+            <a:pPr lvl="1"/>
+            <a:r>
+              <a:rPr lang="en-US" dirty="0"/>
+              <a:t>Having more attacks and moves </a:t>
+            </a:r>
+            <a:r>
+              <a:rPr lang="en-US" dirty="0" smtClean="0"/>
+              <a:t>	</a:t>
+            </a:r>
+          </a:p>
+        </p:txBody>
+      </p:sp>
+    </p:spTree>
+    <p:extLst>
+      <p:ext uri="{BB962C8B-B14F-4D97-AF65-F5344CB8AC3E}">
+        <p14:creationId xmlns:p14="http://schemas.microsoft.com/office/powerpoint/2010/main" val="3717531624"/>
+      </p:ext>
+    </p:extLst>
+  </p:cSld>
+  <p:clrMapOvr>
+    <a:masterClrMapping/>
+  </p:clrMapOvr>
+</p:sld>
+</file>
+
+<file path=ppt/slides/slide11.xml><?xml version="1.0" encoding="utf-8"?>
+<p:sld xmlns:a="http://schemas.openxmlformats.org/drawingml/2006/main" xmlns:r="http://schemas.openxmlformats.org/officeDocument/2006/relationships" xmlns:p="http://schemas.openxmlformats.org/presentationml/2006/main">
+  <p:cSld>
+    <p:spTree>
+      <p:nvGrpSpPr>
+        <p:cNvPr id="1" name=""/>
+        <p:cNvGrpSpPr/>
+        <p:nvPr/>
+      </p:nvGrpSpPr>
+      <p:grpSpPr>
+        <a:xfrm>
+          <a:off x="0" y="0"/>
+          <a:ext cx="0" cy="0"/>
+          <a:chOff x="0" y="0"/>
+          <a:chExt cx="0" cy="0"/>
+        </a:xfrm>
+      </p:grpSpPr>
+      <p:sp>
+        <p:nvSpPr>
+          <p:cNvPr id="2" name="Title 1"/>
+          <p:cNvSpPr>
+            <a:spLocks noGrp="1"/>
+          </p:cNvSpPr>
+          <p:nvPr>
+            <p:ph type="title"/>
+          </p:nvPr>
+        </p:nvSpPr>
+        <p:spPr/>
+        <p:txBody>
+          <a:bodyPr/>
+          <a:lstStyle/>
+          <a:p>
+            <a:r>
+              <a:rPr lang="en-US" dirty="0" smtClean="0"/>
+              <a:t>More results from </a:t>
+            </a:r>
+            <a:r>
+              <a:rPr lang="en-US" dirty="0" err="1" smtClean="0"/>
+              <a:t>pt</a:t>
+            </a:r>
+            <a:r>
+              <a:rPr lang="en-US" dirty="0" smtClean="0"/>
+              <a:t> 2</a:t>
+            </a:r>
+            <a:endParaRPr lang="en-US" dirty="0"/>
+          </a:p>
+        </p:txBody>
+      </p:sp>
+      <p:sp>
+        <p:nvSpPr>
+          <p:cNvPr id="3" name="Content Placeholder 2"/>
+          <p:cNvSpPr>
+            <a:spLocks noGrp="1"/>
+          </p:cNvSpPr>
+          <p:nvPr>
+            <p:ph idx="1"/>
+          </p:nvPr>
+        </p:nvSpPr>
+        <p:spPr/>
+        <p:txBody>
+          <a:bodyPr>
+            <a:normAutofit fontScale="70000" lnSpcReduction="20000"/>
+          </a:bodyPr>
+          <a:lstStyle/>
+          <a:p>
+            <a:r>
+              <a:rPr lang="en-US" dirty="0" smtClean="0"/>
+              <a:t>What do you think about the environment</a:t>
+            </a:r>
+          </a:p>
+          <a:p>
+            <a:pPr lvl="1"/>
+            <a:r>
+              <a:rPr lang="en-US" dirty="0"/>
+              <a:t>Could be improved, will need to build several types of arenas with specialties to fight on in future </a:t>
+            </a:r>
+            <a:r>
+              <a:rPr lang="en-US" dirty="0" smtClean="0"/>
+              <a:t>interactions </a:t>
+            </a:r>
+          </a:p>
+          <a:p>
+            <a:r>
+              <a:rPr lang="en-US" dirty="0" smtClean="0"/>
+              <a:t>Would you like to see more interaction with the environment</a:t>
+            </a:r>
+          </a:p>
+          <a:p>
+            <a:pPr lvl="1"/>
+            <a:r>
+              <a:rPr lang="en-US" dirty="0"/>
+              <a:t>Would be good, see previous consensus </a:t>
+            </a:r>
+            <a:endParaRPr lang="en-US" dirty="0" smtClean="0"/>
+          </a:p>
+          <a:p>
+            <a:r>
+              <a:rPr lang="en-US" dirty="0" smtClean="0"/>
+              <a:t>Is it too easy or too hard?</a:t>
+            </a:r>
+          </a:p>
+          <a:p>
+            <a:pPr lvl="1"/>
+            <a:r>
+              <a:rPr lang="en-US" dirty="0"/>
+              <a:t>Fighting is clunky so it's hard to control characters and attacks </a:t>
+            </a:r>
+            <a:endParaRPr lang="en-US" dirty="0" smtClean="0"/>
+          </a:p>
+          <a:p>
+            <a:r>
+              <a:rPr lang="en-US" dirty="0" smtClean="0"/>
+              <a:t>How does the fighting interaction feel? Clunky? </a:t>
+            </a:r>
+            <a:r>
+              <a:rPr lang="en-US" dirty="0" err="1" smtClean="0"/>
+              <a:t>Floaty</a:t>
+            </a:r>
+            <a:r>
+              <a:rPr lang="en-US" dirty="0" smtClean="0"/>
+              <a:t>?</a:t>
+            </a:r>
+          </a:p>
+          <a:p>
+            <a:pPr lvl="1"/>
+            <a:r>
+              <a:rPr lang="en-US" dirty="0"/>
+              <a:t>clunky depending on character so needs to be smoothed out more with more colliders </a:t>
+            </a:r>
+            <a:endParaRPr lang="en-US" dirty="0" smtClean="0"/>
+          </a:p>
+          <a:p>
+            <a:r>
+              <a:rPr lang="en-US" dirty="0" smtClean="0"/>
+              <a:t>What do you think about more interactive environments?</a:t>
+            </a:r>
+          </a:p>
+          <a:p>
+            <a:pPr lvl="1"/>
+            <a:r>
+              <a:rPr lang="en-US" dirty="0"/>
+              <a:t>Will need to build environments that require more strategy to use to their advantages </a:t>
+            </a:r>
+            <a:endParaRPr lang="en-US" dirty="0" smtClean="0"/>
+          </a:p>
+          <a:p>
+            <a:endParaRPr lang="en-US" dirty="0"/>
+          </a:p>
+        </p:txBody>
+      </p:sp>
+    </p:spTree>
+    <p:extLst>
+      <p:ext uri="{BB962C8B-B14F-4D97-AF65-F5344CB8AC3E}">
+        <p14:creationId xmlns:p14="http://schemas.microsoft.com/office/powerpoint/2010/main" val="1052030315"/>
+      </p:ext>
+    </p:extLst>
+  </p:cSld>
+  <p:clrMapOvr>
+    <a:masterClrMapping/>
+  </p:clrMapOvr>
+</p:sld>
+</file>
+
+<file path=ppt/slides/slide12.xml><?xml version="1.0" encoding="utf-8"?>
+<p:sld xmlns:a="http://schemas.openxmlformats.org/drawingml/2006/main" xmlns:r="http://schemas.openxmlformats.org/officeDocument/2006/relationships" xmlns:p="http://schemas.openxmlformats.org/presentationml/2006/main">
+  <p:cSld>
+    <p:spTree>
+      <p:nvGrpSpPr>
+        <p:cNvPr id="1" name=""/>
+        <p:cNvGrpSpPr/>
+        <p:nvPr/>
+      </p:nvGrpSpPr>
+      <p:grpSpPr>
+        <a:xfrm>
+          <a:off x="0" y="0"/>
+          <a:ext cx="0" cy="0"/>
+          <a:chOff x="0" y="0"/>
+          <a:chExt cx="0" cy="0"/>
+        </a:xfrm>
+      </p:grpSpPr>
+      <p:sp>
+        <p:nvSpPr>
+          <p:cNvPr id="2" name="Title 1"/>
+          <p:cNvSpPr>
+            <a:spLocks noGrp="1"/>
+          </p:cNvSpPr>
+          <p:nvPr>
+            <p:ph type="title"/>
+          </p:nvPr>
+        </p:nvSpPr>
+        <p:spPr/>
+        <p:txBody>
+          <a:bodyPr/>
+          <a:lstStyle/>
+          <a:p>
+            <a:r>
+              <a:rPr lang="en-US" dirty="0" smtClean="0"/>
+              <a:t>Consensus</a:t>
+            </a:r>
+            <a:endParaRPr lang="en-US" dirty="0"/>
+          </a:p>
+        </p:txBody>
+      </p:sp>
+      <p:sp>
+        <p:nvSpPr>
+          <p:cNvPr id="3" name="Content Placeholder 2"/>
+          <p:cNvSpPr>
+            <a:spLocks noGrp="1"/>
+          </p:cNvSpPr>
+          <p:nvPr>
+            <p:ph idx="1"/>
+          </p:nvPr>
+        </p:nvSpPr>
+        <p:spPr/>
+        <p:txBody>
+          <a:bodyPr/>
+          <a:lstStyle/>
+          <a:p>
+            <a:r>
+              <a:rPr lang="en-US" dirty="0" smtClean="0"/>
+              <a:t>The characters are doing better but need more work in terms of the fighting interaction. </a:t>
+            </a:r>
+          </a:p>
+          <a:p>
+            <a:r>
+              <a:rPr lang="en-US" dirty="0" smtClean="0"/>
+              <a:t>We need to make the game more challenging by involving more of the environment</a:t>
+            </a:r>
+          </a:p>
+          <a:p>
+            <a:r>
+              <a:rPr lang="en-US" dirty="0" smtClean="0"/>
+              <a:t>We need to work on developing more moves and attacks as well as a more consistent character controller for each of the characters</a:t>
+            </a:r>
+          </a:p>
+          <a:p>
+            <a:pPr lvl="1"/>
+            <a:r>
+              <a:rPr lang="en-US" dirty="0" smtClean="0"/>
+              <a:t>Add more!</a:t>
+            </a:r>
+            <a:endParaRPr lang="en-US" dirty="0"/>
+          </a:p>
+        </p:txBody>
+      </p:sp>
+    </p:spTree>
+    <p:extLst>
+      <p:ext uri="{BB962C8B-B14F-4D97-AF65-F5344CB8AC3E}">
+        <p14:creationId xmlns:p14="http://schemas.microsoft.com/office/powerpoint/2010/main" val="1718386677"/>
+      </p:ext>
+    </p:extLst>
+  </p:cSld>
+  <p:clrMapOvr>
+    <a:masterClrMapping/>
+  </p:clrMapOvr>
+</p:sld>
+</file>
+
+<file path=ppt/slides/slide13.xml><?xml version="1.0" encoding="utf-8"?>
+<p:sld xmlns:a="http://schemas.openxmlformats.org/drawingml/2006/main" xmlns:r="http://schemas.openxmlformats.org/officeDocument/2006/relationships" xmlns:p="http://schemas.openxmlformats.org/presentationml/2006/main">
+  <p:cSld>
+    <p:spTree>
+      <p:nvGrpSpPr>
+        <p:cNvPr id="1" name=""/>
+        <p:cNvGrpSpPr/>
+        <p:nvPr/>
+      </p:nvGrpSpPr>
+      <p:grpSpPr>
+        <a:xfrm>
+          <a:off x="0" y="0"/>
+          <a:ext cx="0" cy="0"/>
+          <a:chOff x="0" y="0"/>
+          <a:chExt cx="0" cy="0"/>
+        </a:xfrm>
+      </p:grpSpPr>
+      <p:sp>
+        <p:nvSpPr>
+          <p:cNvPr id="2" name="Title 1"/>
+          <p:cNvSpPr>
+            <a:spLocks noGrp="1"/>
+          </p:cNvSpPr>
+          <p:nvPr>
+            <p:ph type="title"/>
+          </p:nvPr>
+        </p:nvSpPr>
+        <p:spPr/>
+        <p:txBody>
+          <a:bodyPr/>
+          <a:lstStyle/>
+          <a:p>
+            <a:r>
+              <a:rPr lang="en-US" dirty="0" smtClean="0"/>
+              <a:t>Future Plans</a:t>
+            </a:r>
+            <a:endParaRPr lang="en-US" dirty="0"/>
+          </a:p>
+        </p:txBody>
+      </p:sp>
+      <p:sp>
+        <p:nvSpPr>
+          <p:cNvPr id="3" name="Content Placeholder 2"/>
+          <p:cNvSpPr>
+            <a:spLocks noGrp="1"/>
+          </p:cNvSpPr>
+          <p:nvPr>
+            <p:ph idx="1"/>
+          </p:nvPr>
+        </p:nvSpPr>
+        <p:spPr/>
+        <p:txBody>
+          <a:bodyPr>
+            <a:normAutofit fontScale="85000" lnSpcReduction="20000"/>
+          </a:bodyPr>
+          <a:lstStyle/>
+          <a:p>
+            <a:r>
+              <a:rPr lang="en-US" dirty="0" smtClean="0"/>
+              <a:t>Iterate on the next set of feedback we’ve just received</a:t>
+            </a:r>
+          </a:p>
+          <a:p>
+            <a:r>
+              <a:rPr lang="en-US" dirty="0" smtClean="0"/>
+              <a:t>More abilities and attacks!</a:t>
+            </a:r>
+          </a:p>
+          <a:p>
+            <a:pPr lvl="1"/>
+            <a:r>
+              <a:rPr lang="en-US" dirty="0" smtClean="0"/>
+              <a:t>Long range? Magic?</a:t>
+            </a:r>
+          </a:p>
+          <a:p>
+            <a:r>
+              <a:rPr lang="en-US" dirty="0" smtClean="0"/>
+              <a:t>Plan for more advanced and interesting game-play in terms of interacting with the environment</a:t>
+            </a:r>
+          </a:p>
+          <a:p>
+            <a:pPr lvl="1"/>
+            <a:r>
+              <a:rPr lang="en-US" dirty="0" smtClean="0"/>
+              <a:t>Player must deal with environment as well as opponent</a:t>
+            </a:r>
+          </a:p>
+          <a:p>
+            <a:pPr lvl="1"/>
+            <a:r>
+              <a:rPr lang="en-US" dirty="0" smtClean="0"/>
+              <a:t>Strategy is needed in order to win</a:t>
+            </a:r>
+          </a:p>
+          <a:p>
+            <a:pPr lvl="2"/>
+            <a:r>
+              <a:rPr lang="en-US" dirty="0" smtClean="0"/>
+              <a:t>Using environment to their advantage. </a:t>
+            </a:r>
+          </a:p>
+          <a:p>
+            <a:pPr lvl="1"/>
+            <a:r>
+              <a:rPr lang="en-US" dirty="0" smtClean="0"/>
+              <a:t>Surprise packages, temporary abilities</a:t>
+            </a:r>
+          </a:p>
+          <a:p>
+            <a:pPr lvl="1"/>
+            <a:r>
+              <a:rPr lang="en-US" dirty="0" smtClean="0"/>
+              <a:t>Finding coins/money/items to reduce health, or add points</a:t>
+            </a:r>
+          </a:p>
+          <a:p>
+            <a:pPr lvl="2"/>
+            <a:r>
+              <a:rPr lang="en-US" dirty="0" smtClean="0"/>
+              <a:t>Options for </a:t>
+            </a:r>
+            <a:r>
+              <a:rPr lang="en-US" dirty="0" err="1" smtClean="0"/>
+              <a:t>meley</a:t>
+            </a:r>
+            <a:r>
+              <a:rPr lang="en-US" dirty="0" smtClean="0"/>
+              <a:t> or for wins based off combination of kills/points</a:t>
+            </a:r>
+            <a:endParaRPr lang="en-US" dirty="0"/>
+          </a:p>
+        </p:txBody>
+      </p:sp>
+    </p:spTree>
+    <p:extLst>
+      <p:ext uri="{BB962C8B-B14F-4D97-AF65-F5344CB8AC3E}">
+        <p14:creationId xmlns:p14="http://schemas.microsoft.com/office/powerpoint/2010/main" val="3753610364"/>
+      </p:ext>
+    </p:extLst>
+  </p:cSld>
+  <p:clrMapOvr>
+    <a:masterClrMapping/>
+  </p:clrMapOvr>
+</p:sld>
+</file>
+
+<file path=ppt/slides/slide14.xml><?xml version="1.0" encoding="utf-8"?>
+<p:sld xmlns:a="http://schemas.openxmlformats.org/drawingml/2006/main" xmlns:r="http://schemas.openxmlformats.org/officeDocument/2006/relationships" xmlns:p="http://schemas.openxmlformats.org/presentationml/2006/main">
+  <p:cSld>
+    <p:spTree>
+      <p:nvGrpSpPr>
+        <p:cNvPr id="1" name=""/>
+        <p:cNvGrpSpPr/>
+        <p:nvPr/>
+      </p:nvGrpSpPr>
+      <p:grpSpPr>
+        <a:xfrm>
+          <a:off x="0" y="0"/>
+          <a:ext cx="0" cy="0"/>
+          <a:chOff x="0" y="0"/>
+          <a:chExt cx="0" cy="0"/>
+        </a:xfrm>
+      </p:grpSpPr>
+      <p:sp>
+        <p:nvSpPr>
+          <p:cNvPr id="2" name="Title 1"/>
+          <p:cNvSpPr>
+            <a:spLocks noGrp="1"/>
+          </p:cNvSpPr>
+          <p:nvPr>
+            <p:ph type="title"/>
+          </p:nvPr>
+        </p:nvSpPr>
+        <p:spPr/>
+        <p:txBody>
+          <a:bodyPr/>
+          <a:lstStyle/>
+          <a:p>
+            <a:r>
+              <a:rPr lang="en-US" dirty="0" smtClean="0"/>
+              <a:t>Thank you!</a:t>
+            </a:r>
+            <a:endParaRPr lang="en-US" dirty="0"/>
+          </a:p>
+        </p:txBody>
+      </p:sp>
+      <p:sp>
+        <p:nvSpPr>
+          <p:cNvPr id="3" name="Text Placeholder 2"/>
+          <p:cNvSpPr>
+            <a:spLocks noGrp="1"/>
+          </p:cNvSpPr>
+          <p:nvPr>
+            <p:ph type="body" idx="1"/>
+          </p:nvPr>
+        </p:nvSpPr>
+        <p:spPr/>
+        <p:txBody>
+          <a:bodyPr/>
+          <a:lstStyle/>
+          <a:p>
+            <a:r>
+              <a:rPr lang="en-US" dirty="0" smtClean="0"/>
+              <a:t>Questions</a:t>
+            </a:r>
+            <a:endParaRPr lang="en-US" dirty="0"/>
+          </a:p>
+        </p:txBody>
+      </p:sp>
+    </p:spTree>
+    <p:extLst>
+      <p:ext uri="{BB962C8B-B14F-4D97-AF65-F5344CB8AC3E}">
+        <p14:creationId xmlns:p14="http://schemas.microsoft.com/office/powerpoint/2010/main" val="3174754170"/>
       </p:ext>
     </p:extLst>
   </p:cSld>
@@ -8228,8 +10668,12 @@
           <a:lstStyle/>
           <a:p>
             <a:r>
+              <a:rPr lang="en-US" dirty="0" err="1" smtClean="0"/>
+              <a:t>Playtesting</a:t>
+            </a:r>
+            <a:r>
               <a:rPr lang="en-US" dirty="0" smtClean="0"/>
-              <a:t>First Playtest</a:t>
+              <a:t> strategy</a:t>
             </a:r>
             <a:endParaRPr lang="en-US" dirty="0"/>
           </a:p>
@@ -8252,16 +10696,28 @@
           <a:p>
             <a:r>
               <a:rPr lang="en-US" dirty="0" smtClean="0"/>
-              <a:t>Testing individual characters:</a:t>
+              <a:t>Using a qualitative and subjective testing method to try and figure out how our character controllers and game interaction could be improved</a:t>
             </a:r>
           </a:p>
           <a:p>
             <a:r>
               <a:rPr lang="en-US" dirty="0" smtClean="0"/>
-              <a:t>Take best animation controller as our general one</a:t>
-            </a:r>
-          </a:p>
-          <a:p>
+              <a:t>2 sets of surveys</a:t>
+            </a:r>
+          </a:p>
+          <a:p>
+            <a:pPr lvl="1"/>
+            <a:r>
+              <a:rPr lang="en-US" dirty="0" smtClean="0"/>
+              <a:t>Testing characters alone</a:t>
+            </a:r>
+          </a:p>
+          <a:p>
+            <a:pPr lvl="1"/>
+            <a:r>
+              <a:rPr lang="en-US" dirty="0" smtClean="0"/>
+              <a:t>Testing fighting between characters in an interactive environment</a:t>
+            </a:r>
             <a:endParaRPr lang="en-US" dirty="0"/>
           </a:p>
         </p:txBody>
@@ -8269,7 +10725,7 @@
     </p:spTree>
     <p:extLst>
       <p:ext uri="{BB962C8B-B14F-4D97-AF65-F5344CB8AC3E}">
-        <p14:creationId xmlns:p14="http://schemas.microsoft.com/office/powerpoint/2010/main" val="2038676081"/>
+        <p14:creationId xmlns:p14="http://schemas.microsoft.com/office/powerpoint/2010/main" val="3162099611"/>
       </p:ext>
     </p:extLst>
   </p:cSld>
@@ -8313,7 +10769,7 @@
           <a:p>
             <a:r>
               <a:rPr lang="en-US" dirty="0" smtClean="0"/>
-              <a:t>Questions for part 1	</a:t>
+              <a:t>First Playtest</a:t>
             </a:r>
             <a:endParaRPr lang="en-US" dirty="0"/>
           </a:p>
@@ -8331,58 +10787,83 @@
         </p:nvSpPr>
         <p:spPr/>
         <p:txBody>
-          <a:bodyPr>
-            <a:normAutofit fontScale="92500"/>
-          </a:bodyPr>
+          <a:bodyPr/>
           <a:lstStyle/>
           <a:p>
             <a:r>
               <a:rPr lang="en-US" dirty="0" smtClean="0"/>
-              <a:t>Character feel?</a:t>
-            </a:r>
-          </a:p>
-          <a:p>
+              <a:t>Testing individual characters</a:t>
+            </a:r>
+          </a:p>
+          <a:p>
+            <a:pPr lvl="1"/>
             <a:r>
               <a:rPr lang="en-US" dirty="0" smtClean="0"/>
-              <a:t>Character control?</a:t>
+              <a:t>1 tester per character, 5 players total</a:t>
             </a:r>
           </a:p>
           <a:p>
             <a:r>
               <a:rPr lang="en-US" dirty="0" smtClean="0"/>
-              <a:t>How well does the character respond to your input?</a:t>
+              <a:t>Take best animation controller as our general one</a:t>
             </a:r>
           </a:p>
           <a:p>
             <a:r>
               <a:rPr lang="en-US" dirty="0" smtClean="0"/>
-              <a:t>Too slow or too fast?</a:t>
+              <a:t>Work out the kinks of each character</a:t>
             </a:r>
           </a:p>
           <a:p>
             <a:r>
               <a:rPr lang="en-US" dirty="0" smtClean="0"/>
-              <a:t>What do you think about the camera position?</a:t>
-            </a:r>
-          </a:p>
-          <a:p>
+              <a:t>Test how they ‘feel’ to our users</a:t>
+            </a:r>
+          </a:p>
+          <a:p>
+            <a:pPr lvl="1"/>
             <a:r>
               <a:rPr lang="en-US" dirty="0" smtClean="0"/>
-              <a:t>What abilities do you think would improve the character?</a:t>
-            </a:r>
+              <a:t>How easy/hard to </a:t>
+            </a:r>
+            <a:r>
+              <a:rPr lang="en-US" dirty="0" err="1" smtClean="0"/>
+              <a:t>manuever</a:t>
+            </a:r>
+            <a:r>
+              <a:rPr lang="en-US" dirty="0" smtClean="0"/>
+              <a:t>?</a:t>
+            </a:r>
+          </a:p>
+          <a:p>
+            <a:pPr lvl="1"/>
+            <a:r>
+              <a:rPr lang="en-US" dirty="0" smtClean="0"/>
+              <a:t>Too fast or too slow?</a:t>
+            </a:r>
+          </a:p>
+          <a:p>
+            <a:endParaRPr lang="en-US" dirty="0"/>
           </a:p>
         </p:txBody>
       </p:sp>
     </p:spTree>
     <p:extLst>
       <p:ext uri="{BB962C8B-B14F-4D97-AF65-F5344CB8AC3E}">
-        <p14:creationId xmlns:p14="http://schemas.microsoft.com/office/powerpoint/2010/main" val="3703530644"/>
+        <p14:creationId xmlns:p14="http://schemas.microsoft.com/office/powerpoint/2010/main" val="2038676081"/>
       </p:ext>
     </p:extLst>
   </p:cSld>
   <p:clrMapOvr>
     <a:masterClrMapping/>
   </p:clrMapOvr>
+  <p:timing>
+    <p:tnLst>
+      <p:par>
+        <p:cTn xmlns:p14="http://schemas.microsoft.com/office/powerpoint/2010/main" id="1" dur="indefinite" restart="never" nodeType="tmRoot"/>
+      </p:par>
+    </p:tnLst>
+  </p:timing>
 </p:sld>
 </file>
 
@@ -8420,7 +10901,7 @@
           <a:p>
             <a:r>
               <a:rPr lang="en-US" dirty="0" smtClean="0"/>
-              <a:t>Second playtest	</a:t>
+              <a:t>Questions for part 1	</a:t>
             </a:r>
             <a:endParaRPr lang="en-US" dirty="0"/>
           </a:p>
@@ -8438,37 +10919,71 @@
         </p:nvSpPr>
         <p:spPr/>
         <p:txBody>
-          <a:bodyPr/>
+          <a:bodyPr>
+            <a:normAutofit fontScale="85000" lnSpcReduction="20000"/>
+          </a:bodyPr>
           <a:lstStyle/>
           <a:p>
             <a:r>
               <a:rPr lang="en-US" dirty="0" smtClean="0"/>
-              <a:t>Player </a:t>
-            </a:r>
-            <a:r>
-              <a:rPr lang="en-US" dirty="0" err="1" smtClean="0"/>
-              <a:t>vs</a:t>
-            </a:r>
+              <a:t>We asked them to play around with our character after explaining them and asked the following questions afterwards:</a:t>
+            </a:r>
+          </a:p>
+          <a:p>
             <a:r>
               <a:rPr lang="en-US" dirty="0" smtClean="0"/>
-              <a:t> player</a:t>
-            </a:r>
-          </a:p>
-          <a:p>
-            <a:endParaRPr lang="en-US" dirty="0"/>
+              <a:t>Character feel?</a:t>
+            </a:r>
+          </a:p>
+          <a:p>
+            <a:r>
+              <a:rPr lang="en-US" dirty="0" smtClean="0"/>
+              <a:t>Character control?</a:t>
+            </a:r>
+          </a:p>
+          <a:p>
+            <a:r>
+              <a:rPr lang="en-US" dirty="0" smtClean="0"/>
+              <a:t>How well does the character respond to your input?</a:t>
+            </a:r>
+          </a:p>
+          <a:p>
+            <a:r>
+              <a:rPr lang="en-US" dirty="0" smtClean="0"/>
+              <a:t>Too slow or too fast?</a:t>
+            </a:r>
+          </a:p>
+          <a:p>
+            <a:r>
+              <a:rPr lang="en-US" dirty="0" smtClean="0"/>
+              <a:t>What do you think about the camera position?</a:t>
+            </a:r>
+          </a:p>
+          <a:p>
+            <a:r>
+              <a:rPr lang="en-US" dirty="0" smtClean="0"/>
+              <a:t>What abilities do you think would improve the character?</a:t>
+            </a:r>
           </a:p>
         </p:txBody>
       </p:sp>
     </p:spTree>
     <p:extLst>
       <p:ext uri="{BB962C8B-B14F-4D97-AF65-F5344CB8AC3E}">
-        <p14:creationId xmlns:p14="http://schemas.microsoft.com/office/powerpoint/2010/main" val="55443052"/>
+        <p14:creationId xmlns:p14="http://schemas.microsoft.com/office/powerpoint/2010/main" val="3703530644"/>
       </p:ext>
     </p:extLst>
   </p:cSld>
   <p:clrMapOvr>
     <a:masterClrMapping/>
   </p:clrMapOvr>
+  <p:timing>
+    <p:tnLst>
+      <p:par>
+        <p:cTn xmlns:p14="http://schemas.microsoft.com/office/powerpoint/2010/main" id="1" dur="indefinite" restart="never" nodeType="tmRoot"/>
+      </p:par>
+    </p:tnLst>
+  </p:timing>
 </p:sld>
 </file>
 
@@ -8506,6 +11021,438 @@
           <a:p>
             <a:r>
               <a:rPr lang="en-US" dirty="0" smtClean="0"/>
+              <a:t>Results from PT 1</a:t>
+            </a:r>
+            <a:endParaRPr lang="en-US" dirty="0"/>
+          </a:p>
+        </p:txBody>
+      </p:sp>
+      <p:sp>
+        <p:nvSpPr>
+          <p:cNvPr id="3" name="Content Placeholder 2"/>
+          <p:cNvSpPr>
+            <a:spLocks noGrp="1"/>
+          </p:cNvSpPr>
+          <p:nvPr>
+            <p:ph idx="1"/>
+          </p:nvPr>
+        </p:nvSpPr>
+        <p:spPr/>
+        <p:txBody>
+          <a:bodyPr>
+            <a:noAutofit/>
+          </a:bodyPr>
+          <a:lstStyle/>
+          <a:p>
+            <a:r>
+              <a:rPr lang="en-US" sz="1200" dirty="0"/>
+              <a:t>Character feel</a:t>
+            </a:r>
+            <a:r>
+              <a:rPr lang="en-US" sz="1200" dirty="0" smtClean="0"/>
+              <a:t>?</a:t>
+            </a:r>
+          </a:p>
+          <a:p>
+            <a:pPr lvl="1"/>
+            <a:r>
+              <a:rPr lang="en-US" sz="1100" dirty="0"/>
+              <a:t>Varied, depending on character. We will choose the best of them based on these results to make our characters more consistent in their behavior </a:t>
+            </a:r>
+          </a:p>
+          <a:p>
+            <a:r>
+              <a:rPr lang="en-US" sz="1200" dirty="0"/>
+              <a:t>Character control</a:t>
+            </a:r>
+            <a:r>
+              <a:rPr lang="en-US" sz="1200" dirty="0" smtClean="0"/>
+              <a:t>?</a:t>
+            </a:r>
+          </a:p>
+          <a:p>
+            <a:pPr lvl="1"/>
+            <a:r>
+              <a:rPr lang="en-US" sz="1100" dirty="0"/>
+              <a:t>Also varied. We will need to develop motions that are more suited for character types </a:t>
+            </a:r>
+          </a:p>
+          <a:p>
+            <a:r>
+              <a:rPr lang="en-US" sz="1200" dirty="0"/>
+              <a:t>How well does the character respond to your input</a:t>
+            </a:r>
+            <a:r>
+              <a:rPr lang="en-US" sz="1200" dirty="0" smtClean="0"/>
+              <a:t>?</a:t>
+            </a:r>
+          </a:p>
+          <a:p>
+            <a:pPr lvl="1"/>
+            <a:r>
+              <a:rPr lang="en-US" sz="1100" dirty="0"/>
+              <a:t>S</a:t>
+            </a:r>
+            <a:r>
+              <a:rPr lang="en-US" sz="1100" dirty="0" smtClean="0"/>
+              <a:t>eems </a:t>
+            </a:r>
+            <a:r>
+              <a:rPr lang="en-US" sz="1100" dirty="0"/>
+              <a:t>to be generally ok but could be better. Will need to work on the animation controller to fix this </a:t>
+            </a:r>
+          </a:p>
+          <a:p>
+            <a:r>
+              <a:rPr lang="en-US" sz="1200" dirty="0"/>
+              <a:t>Too slow or too fast</a:t>
+            </a:r>
+            <a:r>
+              <a:rPr lang="en-US" sz="1200" dirty="0" smtClean="0"/>
+              <a:t>?</a:t>
+            </a:r>
+          </a:p>
+          <a:p>
+            <a:pPr lvl="1"/>
+            <a:r>
+              <a:rPr lang="en-US" sz="1100" dirty="0"/>
+              <a:t>Seems to be generally too slow for most characters </a:t>
+            </a:r>
+          </a:p>
+          <a:p>
+            <a:r>
+              <a:rPr lang="en-US" sz="1200" dirty="0"/>
+              <a:t>What do you think about the camera position</a:t>
+            </a:r>
+            <a:r>
+              <a:rPr lang="en-US" sz="1200" dirty="0" smtClean="0"/>
+              <a:t>?</a:t>
+            </a:r>
+          </a:p>
+          <a:p>
+            <a:pPr lvl="1"/>
+            <a:r>
+              <a:rPr lang="en-US" sz="1100" dirty="0"/>
+              <a:t>We will consider adjusting camera positions to allow for full visibility when fighting, although this will need more testing to decide which might be better. </a:t>
+            </a:r>
+          </a:p>
+          <a:p>
+            <a:r>
+              <a:rPr lang="en-US" sz="1200" dirty="0"/>
+              <a:t>What abilities do you think would improve the character</a:t>
+            </a:r>
+            <a:r>
+              <a:rPr lang="en-US" sz="1200" dirty="0" smtClean="0"/>
+              <a:t>?</a:t>
+            </a:r>
+          </a:p>
+          <a:p>
+            <a:pPr lvl="1"/>
+            <a:r>
+              <a:rPr lang="en-US" sz="1100" dirty="0"/>
+              <a:t>C</a:t>
+            </a:r>
+            <a:r>
+              <a:rPr lang="en-US" sz="1100" dirty="0" smtClean="0"/>
+              <a:t>onsensus </a:t>
+            </a:r>
+            <a:r>
+              <a:rPr lang="en-US" sz="1100" dirty="0"/>
+              <a:t>is to develop more attacks and mobility animations for each character and allow for variation. </a:t>
+            </a:r>
+          </a:p>
+        </p:txBody>
+      </p:sp>
+    </p:spTree>
+    <p:extLst>
+      <p:ext uri="{BB962C8B-B14F-4D97-AF65-F5344CB8AC3E}">
+        <p14:creationId xmlns:p14="http://schemas.microsoft.com/office/powerpoint/2010/main" val="3118679536"/>
+      </p:ext>
+    </p:extLst>
+  </p:cSld>
+  <p:clrMapOvr>
+    <a:masterClrMapping/>
+  </p:clrMapOvr>
+</p:sld>
+</file>
+
+<file path=ppt/slides/slide6.xml><?xml version="1.0" encoding="utf-8"?>
+<p:sld xmlns:a="http://schemas.openxmlformats.org/drawingml/2006/main" xmlns:r="http://schemas.openxmlformats.org/officeDocument/2006/relationships" xmlns:p="http://schemas.openxmlformats.org/presentationml/2006/main">
+  <p:cSld>
+    <p:spTree>
+      <p:nvGrpSpPr>
+        <p:cNvPr id="1" name=""/>
+        <p:cNvGrpSpPr/>
+        <p:nvPr/>
+      </p:nvGrpSpPr>
+      <p:grpSpPr>
+        <a:xfrm>
+          <a:off x="0" y="0"/>
+          <a:ext cx="0" cy="0"/>
+          <a:chOff x="0" y="0"/>
+          <a:chExt cx="0" cy="0"/>
+        </a:xfrm>
+      </p:grpSpPr>
+      <p:sp>
+        <p:nvSpPr>
+          <p:cNvPr id="2" name="Title 1"/>
+          <p:cNvSpPr>
+            <a:spLocks noGrp="1"/>
+          </p:cNvSpPr>
+          <p:nvPr>
+            <p:ph type="title"/>
+          </p:nvPr>
+        </p:nvSpPr>
+        <p:spPr/>
+        <p:txBody>
+          <a:bodyPr/>
+          <a:lstStyle/>
+          <a:p>
+            <a:r>
+              <a:rPr lang="en-US" dirty="0" smtClean="0"/>
+              <a:t>What we changed</a:t>
+            </a:r>
+            <a:endParaRPr lang="en-US" dirty="0"/>
+          </a:p>
+        </p:txBody>
+      </p:sp>
+      <p:sp>
+        <p:nvSpPr>
+          <p:cNvPr id="3" name="Content Placeholder 2"/>
+          <p:cNvSpPr>
+            <a:spLocks noGrp="1"/>
+          </p:cNvSpPr>
+          <p:nvPr>
+            <p:ph idx="1"/>
+          </p:nvPr>
+        </p:nvSpPr>
+        <p:spPr/>
+        <p:txBody>
+          <a:bodyPr>
+            <a:normAutofit lnSpcReduction="10000"/>
+          </a:bodyPr>
+          <a:lstStyle/>
+          <a:p>
+            <a:r>
+              <a:rPr lang="en-US" dirty="0" smtClean="0"/>
+              <a:t>Allow for 1v1</a:t>
+            </a:r>
+          </a:p>
+          <a:p>
+            <a:pPr lvl="1"/>
+            <a:r>
+              <a:rPr lang="en-US" dirty="0" smtClean="0"/>
+              <a:t>Choice between 3 characters</a:t>
+            </a:r>
+          </a:p>
+          <a:p>
+            <a:r>
+              <a:rPr lang="en-US" dirty="0" smtClean="0"/>
+              <a:t>Slightly changed the character’s movements and controls to allow them to interact in the same environment</a:t>
+            </a:r>
+          </a:p>
+          <a:p>
+            <a:pPr lvl="1"/>
+            <a:r>
+              <a:rPr lang="en-US" dirty="0" smtClean="0"/>
+              <a:t>Putting colliders on weapons and allowing for 3 attacks per character</a:t>
+            </a:r>
+          </a:p>
+          <a:p>
+            <a:r>
+              <a:rPr lang="en-US" dirty="0" smtClean="0"/>
+              <a:t>Added a split screen camera for 2 players</a:t>
+            </a:r>
+          </a:p>
+          <a:p>
+            <a:r>
+              <a:rPr lang="en-US" dirty="0" smtClean="0"/>
+              <a:t>Keyboard controls and game controller controls</a:t>
+            </a:r>
+            <a:endParaRPr lang="en-US" dirty="0"/>
+          </a:p>
+        </p:txBody>
+      </p:sp>
+    </p:spTree>
+    <p:extLst>
+      <p:ext uri="{BB962C8B-B14F-4D97-AF65-F5344CB8AC3E}">
+        <p14:creationId xmlns:p14="http://schemas.microsoft.com/office/powerpoint/2010/main" val="2246390866"/>
+      </p:ext>
+    </p:extLst>
+  </p:cSld>
+  <p:clrMapOvr>
+    <a:masterClrMapping/>
+  </p:clrMapOvr>
+</p:sld>
+</file>
+
+<file path=ppt/slides/slide7.xml><?xml version="1.0" encoding="utf-8"?>
+<p:sld xmlns:a="http://schemas.openxmlformats.org/drawingml/2006/main" xmlns:r="http://schemas.openxmlformats.org/officeDocument/2006/relationships" xmlns:p="http://schemas.openxmlformats.org/presentationml/2006/main">
+  <p:cSld>
+    <p:spTree>
+      <p:nvGrpSpPr>
+        <p:cNvPr id="1" name=""/>
+        <p:cNvGrpSpPr/>
+        <p:nvPr/>
+      </p:nvGrpSpPr>
+      <p:grpSpPr>
+        <a:xfrm>
+          <a:off x="0" y="0"/>
+          <a:ext cx="0" cy="0"/>
+          <a:chOff x="0" y="0"/>
+          <a:chExt cx="0" cy="0"/>
+        </a:xfrm>
+      </p:grpSpPr>
+      <p:sp>
+        <p:nvSpPr>
+          <p:cNvPr id="2" name="Title 1"/>
+          <p:cNvSpPr>
+            <a:spLocks noGrp="1"/>
+          </p:cNvSpPr>
+          <p:nvPr>
+            <p:ph type="title"/>
+          </p:nvPr>
+        </p:nvSpPr>
+        <p:spPr/>
+        <p:txBody>
+          <a:bodyPr/>
+          <a:lstStyle/>
+          <a:p>
+            <a:r>
+              <a:rPr lang="en-US" dirty="0" smtClean="0"/>
+              <a:t>Second playtest	</a:t>
+            </a:r>
+            <a:endParaRPr lang="en-US" dirty="0"/>
+          </a:p>
+        </p:txBody>
+      </p:sp>
+      <p:sp>
+        <p:nvSpPr>
+          <p:cNvPr id="3" name="Content Placeholder 2"/>
+          <p:cNvSpPr>
+            <a:spLocks noGrp="1"/>
+          </p:cNvSpPr>
+          <p:nvPr>
+            <p:ph idx="1"/>
+          </p:nvPr>
+        </p:nvSpPr>
+        <p:spPr/>
+        <p:txBody>
+          <a:bodyPr>
+            <a:normAutofit fontScale="92500" lnSpcReduction="10000"/>
+          </a:bodyPr>
+          <a:lstStyle/>
+          <a:p>
+            <a:r>
+              <a:rPr lang="en-US" dirty="0" smtClean="0"/>
+              <a:t>Player </a:t>
+            </a:r>
+            <a:r>
+              <a:rPr lang="en-US" dirty="0" err="1" smtClean="0"/>
+              <a:t>vs</a:t>
+            </a:r>
+            <a:r>
+              <a:rPr lang="en-US" dirty="0" smtClean="0"/>
+              <a:t> player</a:t>
+            </a:r>
+          </a:p>
+          <a:p>
+            <a:pPr lvl="1"/>
+            <a:r>
+              <a:rPr lang="en-US" dirty="0" smtClean="0"/>
+              <a:t>2 people playing per game. 8 players total.</a:t>
+            </a:r>
+          </a:p>
+          <a:p>
+            <a:r>
+              <a:rPr lang="en-US" dirty="0" smtClean="0"/>
+              <a:t>Continue to test for individual characters but also start checking </a:t>
+            </a:r>
+            <a:r>
+              <a:rPr lang="en-US" dirty="0" err="1" smtClean="0"/>
+              <a:t>pvp</a:t>
+            </a:r>
+            <a:r>
+              <a:rPr lang="en-US" dirty="0" smtClean="0"/>
+              <a:t> interaction in our game and the environment</a:t>
+            </a:r>
+          </a:p>
+          <a:p>
+            <a:r>
+              <a:rPr lang="en-US" dirty="0" smtClean="0"/>
+              <a:t>Specifically testing how does the fighting feel?</a:t>
+            </a:r>
+          </a:p>
+          <a:p>
+            <a:pPr lvl="1"/>
+            <a:r>
+              <a:rPr lang="en-US" dirty="0" smtClean="0"/>
+              <a:t>Each character has standard mobility and 3 attacks. </a:t>
+            </a:r>
+          </a:p>
+          <a:p>
+            <a:r>
+              <a:rPr lang="en-US" dirty="0" smtClean="0"/>
+              <a:t>How is the interaction with the environment feel?</a:t>
+            </a:r>
+          </a:p>
+          <a:p>
+            <a:pPr lvl="1"/>
+            <a:r>
+              <a:rPr lang="en-US" dirty="0" smtClean="0"/>
+              <a:t>We chose a regular plane with pieces that fall off every once in a while</a:t>
+            </a:r>
+            <a:endParaRPr lang="en-US" dirty="0"/>
+          </a:p>
+        </p:txBody>
+      </p:sp>
+    </p:spTree>
+    <p:extLst>
+      <p:ext uri="{BB962C8B-B14F-4D97-AF65-F5344CB8AC3E}">
+        <p14:creationId xmlns:p14="http://schemas.microsoft.com/office/powerpoint/2010/main" val="55443052"/>
+      </p:ext>
+    </p:extLst>
+  </p:cSld>
+  <p:clrMapOvr>
+    <a:masterClrMapping/>
+  </p:clrMapOvr>
+</p:sld>
+</file>
+
+<file path=ppt/slides/slide8.xml><?xml version="1.0" encoding="utf-8"?>
+<p:sld xmlns:a="http://schemas.openxmlformats.org/drawingml/2006/main" xmlns:r="http://schemas.openxmlformats.org/officeDocument/2006/relationships" xmlns:p="http://schemas.openxmlformats.org/presentationml/2006/main">
+  <p:cSld>
+    <p:spTree>
+      <p:nvGrpSpPr>
+        <p:cNvPr id="1" name=""/>
+        <p:cNvGrpSpPr/>
+        <p:nvPr/>
+      </p:nvGrpSpPr>
+      <p:grpSpPr>
+        <a:xfrm>
+          <a:off x="0" y="0"/>
+          <a:ext cx="0" cy="0"/>
+          <a:chOff x="0" y="0"/>
+          <a:chExt cx="0" cy="0"/>
+        </a:xfrm>
+      </p:grpSpPr>
+      <p:sp>
+        <p:nvSpPr>
+          <p:cNvPr id="2" name="Title 1"/>
+          <p:cNvSpPr>
+            <a:spLocks noGrp="1"/>
+          </p:cNvSpPr>
+          <p:nvPr>
+            <p:ph type="title"/>
+          </p:nvPr>
+        </p:nvSpPr>
+        <p:spPr/>
+        <p:txBody>
+          <a:bodyPr/>
+          <a:lstStyle/>
+          <a:p>
+            <a:r>
+              <a:rPr lang="en-US" dirty="0" smtClean="0"/>
               <a:t>Questions for part 2	</a:t>
             </a:r>
             <a:endParaRPr lang="en-US" dirty="0"/>
@@ -8525,9 +11472,15 @@
         <p:spPr/>
         <p:txBody>
           <a:bodyPr>
-            <a:normAutofit/>
+            <a:normAutofit fontScale="85000" lnSpcReduction="10000"/>
           </a:bodyPr>
           <a:lstStyle/>
+          <a:p>
+            <a:r>
+              <a:rPr lang="en-US" dirty="0" smtClean="0"/>
+              <a:t>Again we explained the idea behind our game, and told them their controls before we let them loose on each other for 3 minutes. We did not reveal the nature of the terrain. </a:t>
+            </a:r>
+          </a:p>
           <a:p>
             <a:r>
               <a:rPr lang="en-US" dirty="0" smtClean="0"/>
@@ -8555,13 +11508,8 @@
           <a:p>
             <a:r>
               <a:rPr lang="en-US" dirty="0" smtClean="0"/>
-              <a:t>Continued on </a:t>
-            </a:r>
-            <a:r>
-              <a:rPr lang="en-US" smtClean="0"/>
-              <a:t>next page</a:t>
-            </a:r>
-            <a:endParaRPr lang="en-US" dirty="0" smtClean="0"/>
+              <a:t>Continued on next page</a:t>
+            </a:r>
           </a:p>
         </p:txBody>
       </p:sp>
@@ -8578,7 +11526,7 @@
 </p:sld>
 </file>
 
-<file path=ppt/slides/slide6.xml><?xml version="1.0" encoding="utf-8"?>
+<file path=ppt/slides/slide9.xml><?xml version="1.0" encoding="utf-8"?>
 <p:sld xmlns:a="http://schemas.openxmlformats.org/drawingml/2006/main" xmlns:r="http://schemas.openxmlformats.org/officeDocument/2006/relationships" xmlns:p="http://schemas.openxmlformats.org/presentationml/2006/main">
   <p:cSld>
     <p:spTree>
@@ -8947,4 +11895,324 @@
   </a:objectDefaults>
   <a:extraClrSchemeLst/>
 </a:theme>
+</file>
+
+<file path=ppt/theme/theme2.xml><?xml version="1.0" encoding="utf-8"?>
+<a:theme xmlns:a="http://schemas.openxmlformats.org/drawingml/2006/main" name="Office Theme">
+  <a:themeElements>
+    <a:clrScheme name="Office">
+      <a:dk1>
+        <a:sysClr val="windowText" lastClr="000000"/>
+      </a:dk1>
+      <a:lt1>
+        <a:sysClr val="window" lastClr="FFFFFF"/>
+      </a:lt1>
+      <a:dk2>
+        <a:srgbClr val="1F497D"/>
+      </a:dk2>
+      <a:lt2>
+        <a:srgbClr val="EEECE1"/>
+      </a:lt2>
+      <a:accent1>
+        <a:srgbClr val="4F81BD"/>
+      </a:accent1>
+      <a:accent2>
+        <a:srgbClr val="C0504D"/>
+      </a:accent2>
+      <a:accent3>
+        <a:srgbClr val="9BBB59"/>
+      </a:accent3>
+      <a:accent4>
+        <a:srgbClr val="8064A2"/>
+      </a:accent4>
+      <a:accent5>
+        <a:srgbClr val="4BACC6"/>
+      </a:accent5>
+      <a:accent6>
+        <a:srgbClr val="F79646"/>
+      </a:accent6>
+      <a:hlink>
+        <a:srgbClr val="0000FF"/>
+      </a:hlink>
+      <a:folHlink>
+        <a:srgbClr val="800080"/>
+      </a:folHlink>
+    </a:clrScheme>
+    <a:fontScheme name="Office">
+      <a:majorFont>
+        <a:latin typeface="Calibri"/>
+        <a:ea typeface=""/>
+        <a:cs typeface=""/>
+        <a:font script="Jpan" typeface="ＭＳ Ｐゴシック"/>
+        <a:font script="Hang" typeface="맑은 고딕"/>
+        <a:font script="Hans" typeface="宋体"/>
+        <a:font script="Hant" typeface="新細明體"/>
+        <a:font script="Arab" typeface="Times New Roman"/>
+        <a:font script="Hebr" typeface="Times New Roman"/>
+        <a:font script="Thai" typeface="Angsana New"/>
+        <a:font script="Ethi" typeface="Nyala"/>
+        <a:font script="Beng" typeface="Vrinda"/>
+        <a:font script="Gujr" typeface="Shruti"/>
+        <a:font script="Khmr" typeface="MoolBoran"/>
+        <a:font script="Knda" typeface="Tunga"/>
+        <a:font script="Guru" typeface="Raavi"/>
+        <a:font script="Cans" typeface="Euphemia"/>
+        <a:font script="Cher" typeface="Plantagenet Cherokee"/>
+        <a:font script="Yiii" typeface="Microsoft Yi Baiti"/>
+        <a:font script="Tibt" typeface="Microsoft Himalaya"/>
+        <a:font script="Thaa" typeface="MV Boli"/>
+        <a:font script="Deva" typeface="Mangal"/>
+        <a:font script="Telu" typeface="Gautami"/>
+        <a:font script="Taml" typeface="Latha"/>
+        <a:font script="Syrc" typeface="Estrangelo Edessa"/>
+        <a:font script="Orya" typeface="Kalinga"/>
+        <a:font script="Mlym" typeface="Kartika"/>
+        <a:font script="Laoo" typeface="DokChampa"/>
+        <a:font script="Sinh" typeface="Iskoola Pota"/>
+        <a:font script="Mong" typeface="Mongolian Baiti"/>
+        <a:font script="Viet" typeface="Times New Roman"/>
+        <a:font script="Uigh" typeface="Microsoft Uighur"/>
+        <a:font script="Geor" typeface="Sylfaen"/>
+      </a:majorFont>
+      <a:minorFont>
+        <a:latin typeface="Calibri"/>
+        <a:ea typeface=""/>
+        <a:cs typeface=""/>
+        <a:font script="Jpan" typeface="ＭＳ Ｐゴシック"/>
+        <a:font script="Hang" typeface="맑은 고딕"/>
+        <a:font script="Hans" typeface="宋体"/>
+        <a:font script="Hant" typeface="新細明體"/>
+        <a:font script="Arab" typeface="Arial"/>
+        <a:font script="Hebr" typeface="Arial"/>
+        <a:font script="Thai" typeface="Cordia New"/>
+        <a:font script="Ethi" typeface="Nyala"/>
+        <a:font script="Beng" typeface="Vrinda"/>
+        <a:font script="Gujr" typeface="Shruti"/>
+        <a:font script="Khmr" typeface="DaunPenh"/>
+        <a:font script="Knda" typeface="Tunga"/>
+        <a:font script="Guru" typeface="Raavi"/>
+        <a:font script="Cans" typeface="Euphemia"/>
+        <a:font script="Cher" typeface="Plantagenet Cherokee"/>
+        <a:font script="Yiii" typeface="Microsoft Yi Baiti"/>
+        <a:font script="Tibt" typeface="Microsoft Himalaya"/>
+        <a:font script="Thaa" typeface="MV Boli"/>
+        <a:font script="Deva" typeface="Mangal"/>
+        <a:font script="Telu" typeface="Gautami"/>
+        <a:font script="Taml" typeface="Latha"/>
+        <a:font script="Syrc" typeface="Estrangelo Edessa"/>
+        <a:font script="Orya" typeface="Kalinga"/>
+        <a:font script="Mlym" typeface="Kartika"/>
+        <a:font script="Laoo" typeface="DokChampa"/>
+        <a:font script="Sinh" typeface="Iskoola Pota"/>
+        <a:font script="Mong" typeface="Mongolian Baiti"/>
+        <a:font script="Viet" typeface="Arial"/>
+        <a:font script="Uigh" typeface="Microsoft Uighur"/>
+        <a:font script="Geor" typeface="Sylfaen"/>
+      </a:minorFont>
+    </a:fontScheme>
+    <a:fmtScheme name="Office">
+      <a:fillStyleLst>
+        <a:solidFill>
+          <a:schemeClr val="phClr"/>
+        </a:solidFill>
+        <a:gradFill rotWithShape="1">
+          <a:gsLst>
+            <a:gs pos="0">
+              <a:schemeClr val="phClr">
+                <a:tint val="50000"/>
+                <a:satMod val="300000"/>
+              </a:schemeClr>
+            </a:gs>
+            <a:gs pos="35000">
+              <a:schemeClr val="phClr">
+                <a:tint val="37000"/>
+                <a:satMod val="300000"/>
+              </a:schemeClr>
+            </a:gs>
+            <a:gs pos="100000">
+              <a:schemeClr val="phClr">
+                <a:tint val="15000"/>
+                <a:satMod val="350000"/>
+              </a:schemeClr>
+            </a:gs>
+          </a:gsLst>
+          <a:lin ang="16200000" scaled="1"/>
+        </a:gradFill>
+        <a:gradFill rotWithShape="1">
+          <a:gsLst>
+            <a:gs pos="0">
+              <a:schemeClr val="phClr">
+                <a:tint val="100000"/>
+                <a:shade val="100000"/>
+                <a:satMod val="130000"/>
+              </a:schemeClr>
+            </a:gs>
+            <a:gs pos="100000">
+              <a:schemeClr val="phClr">
+                <a:tint val="50000"/>
+                <a:shade val="100000"/>
+                <a:satMod val="350000"/>
+              </a:schemeClr>
+            </a:gs>
+          </a:gsLst>
+          <a:lin ang="16200000" scaled="0"/>
+        </a:gradFill>
+      </a:fillStyleLst>
+      <a:lnStyleLst>
+        <a:ln w="9525" cap="flat" cmpd="sng" algn="ctr">
+          <a:solidFill>
+            <a:schemeClr val="phClr">
+              <a:shade val="95000"/>
+              <a:satMod val="105000"/>
+            </a:schemeClr>
+          </a:solidFill>
+          <a:prstDash val="solid"/>
+        </a:ln>
+        <a:ln w="25400" cap="flat" cmpd="sng" algn="ctr">
+          <a:solidFill>
+            <a:schemeClr val="phClr"/>
+          </a:solidFill>
+          <a:prstDash val="solid"/>
+        </a:ln>
+        <a:ln w="38100" cap="flat" cmpd="sng" algn="ctr">
+          <a:solidFill>
+            <a:schemeClr val="phClr"/>
+          </a:solidFill>
+          <a:prstDash val="solid"/>
+        </a:ln>
+      </a:lnStyleLst>
+      <a:effectStyleLst>
+        <a:effectStyle>
+          <a:effectLst>
+            <a:outerShdw blurRad="40000" dist="20000" dir="5400000" rotWithShape="0">
+              <a:srgbClr val="000000">
+                <a:alpha val="38000"/>
+              </a:srgbClr>
+            </a:outerShdw>
+          </a:effectLst>
+        </a:effectStyle>
+        <a:effectStyle>
+          <a:effectLst>
+            <a:outerShdw blurRad="40000" dist="23000" dir="5400000" rotWithShape="0">
+              <a:srgbClr val="000000">
+                <a:alpha val="35000"/>
+              </a:srgbClr>
+            </a:outerShdw>
+          </a:effectLst>
+        </a:effectStyle>
+        <a:effectStyle>
+          <a:effectLst>
+            <a:outerShdw blurRad="40000" dist="23000" dir="5400000" rotWithShape="0">
+              <a:srgbClr val="000000">
+                <a:alpha val="35000"/>
+              </a:srgbClr>
+            </a:outerShdw>
+          </a:effectLst>
+          <a:scene3d>
+            <a:camera prst="orthographicFront">
+              <a:rot lat="0" lon="0" rev="0"/>
+            </a:camera>
+            <a:lightRig rig="threePt" dir="t">
+              <a:rot lat="0" lon="0" rev="1200000"/>
+            </a:lightRig>
+          </a:scene3d>
+          <a:sp3d>
+            <a:bevelT w="63500" h="25400"/>
+          </a:sp3d>
+        </a:effectStyle>
+      </a:effectStyleLst>
+      <a:bgFillStyleLst>
+        <a:solidFill>
+          <a:schemeClr val="phClr"/>
+        </a:solidFill>
+        <a:gradFill rotWithShape="1">
+          <a:gsLst>
+            <a:gs pos="0">
+              <a:schemeClr val="phClr">
+                <a:tint val="40000"/>
+                <a:satMod val="350000"/>
+              </a:schemeClr>
+            </a:gs>
+            <a:gs pos="40000">
+              <a:schemeClr val="phClr">
+                <a:tint val="45000"/>
+                <a:shade val="99000"/>
+                <a:satMod val="350000"/>
+              </a:schemeClr>
+            </a:gs>
+            <a:gs pos="100000">
+              <a:schemeClr val="phClr">
+                <a:shade val="20000"/>
+                <a:satMod val="255000"/>
+              </a:schemeClr>
+            </a:gs>
+          </a:gsLst>
+          <a:path path="circle">
+            <a:fillToRect l="50000" t="-80000" r="50000" b="180000"/>
+          </a:path>
+        </a:gradFill>
+        <a:gradFill rotWithShape="1">
+          <a:gsLst>
+            <a:gs pos="0">
+              <a:schemeClr val="phClr">
+                <a:tint val="80000"/>
+                <a:satMod val="300000"/>
+              </a:schemeClr>
+            </a:gs>
+            <a:gs pos="100000">
+              <a:schemeClr val="phClr">
+                <a:shade val="30000"/>
+                <a:satMod val="200000"/>
+              </a:schemeClr>
+            </a:gs>
+          </a:gsLst>
+          <a:path path="circle">
+            <a:fillToRect l="50000" t="50000" r="50000" b="50000"/>
+          </a:path>
+        </a:gradFill>
+      </a:bgFillStyleLst>
+    </a:fmtScheme>
+  </a:themeElements>
+  <a:objectDefaults>
+    <a:spDef>
+      <a:spPr/>
+      <a:bodyPr/>
+      <a:lstStyle/>
+      <a:style>
+        <a:lnRef idx="1">
+          <a:schemeClr val="accent1"/>
+        </a:lnRef>
+        <a:fillRef idx="3">
+          <a:schemeClr val="accent1"/>
+        </a:fillRef>
+        <a:effectRef idx="2">
+          <a:schemeClr val="accent1"/>
+        </a:effectRef>
+        <a:fontRef idx="minor">
+          <a:schemeClr val="lt1"/>
+        </a:fontRef>
+      </a:style>
+    </a:spDef>
+    <a:lnDef>
+      <a:spPr/>
+      <a:bodyPr/>
+      <a:lstStyle/>
+      <a:style>
+        <a:lnRef idx="2">
+          <a:schemeClr val="accent1"/>
+        </a:lnRef>
+        <a:fillRef idx="0">
+          <a:schemeClr val="accent1"/>
+        </a:fillRef>
+        <a:effectRef idx="1">
+          <a:schemeClr val="accent1"/>
+        </a:effectRef>
+        <a:fontRef idx="minor">
+          <a:schemeClr val="tx1"/>
+        </a:fontRef>
+      </a:style>
+    </a:lnDef>
+  </a:objectDefaults>
+  <a:extraClrSchemeLst/>
+</a:theme>
 </file>